--- a/Documentacao/Sprint 2/Diagramas/Diagrama de Solução 2.pptx
+++ b/Documentacao/Sprint 2/Diagramas/Diagrama de Solução 2.pptx
@@ -1,26 +1,26 @@
 
 <file path=ppt/presentation.xml><?xml version="1.0" encoding="utf-8"?>
-<p:presentation xmlns:a="http://schemas.openxmlformats.org/drawingml/2006/main" xmlns:r="http://schemas.openxmlformats.org/officeDocument/2006/relationships" xmlns:p="http://schemas.openxmlformats.org/presentationml/2006/main" saveSubsetFonts="1" embedTrueTypeFonts="true">
+<p:presentation xmlns:a="http://schemas.openxmlformats.org/drawingml/2006/main" xmlns:r="http://schemas.openxmlformats.org/officeDocument/2006/relationships" xmlns:p="http://schemas.openxmlformats.org/presentationml/2006/main" embedTrueTypeFonts="1" saveSubsetFonts="1">
   <p:sldMasterIdLst>
     <p:sldMasterId id="2147483648" r:id="rId1"/>
   </p:sldMasterIdLst>
   <p:sldIdLst>
-    <p:sldId id="256" r:id="rId6"/>
+    <p:sldId id="256" r:id="rId2"/>
   </p:sldIdLst>
   <p:sldSz cx="18288000" cy="10287000"/>
   <p:notesSz cx="6858000" cy="9144000"/>
   <p:embeddedFontLst>
     <p:embeddedFont>
-      <p:font typeface="Open Sans" charset="1" panose="020B0606030504020204"/>
-      <p:regular r:id="rId7"/>
+      <p:font typeface="Horizon" panose="020B0604020202020204" charset="0"/>
+      <p:regular r:id="rId3"/>
     </p:embeddedFont>
     <p:embeddedFont>
-      <p:font typeface="Open Sans Bold" charset="1" panose="020B0806030504020204"/>
-      <p:regular r:id="rId8"/>
+      <p:font typeface="Open Sans" panose="020B0606030504020204" pitchFamily="34" charset="0"/>
+      <p:regular r:id="rId4"/>
     </p:embeddedFont>
     <p:embeddedFont>
-      <p:font typeface="Horizon" charset="1" panose="02000500000000000000"/>
-      <p:regular r:id="rId9"/>
+      <p:font typeface="Open Sans Bold" panose="020B0604020202020204" charset="0"/>
+      <p:regular r:id="rId5"/>
     </p:embeddedFont>
   </p:embeddedFontLst>
   <p:defaultTextStyle>
@@ -118,7 +118,52 @@
       </a:defRPr>
     </a:lvl9pPr>
   </p:defaultTextStyle>
+  <p:extLst>
+    <p:ext uri="{EFAFB233-063F-42B5-8137-9DF3F51BA10A}">
+      <p15:sldGuideLst xmlns:p15="http://schemas.microsoft.com/office/powerpoint/2012/main">
+        <p15:guide id="1" orient="horz" pos="2160">
+          <p15:clr>
+            <a:srgbClr val="A4A3A4"/>
+          </p15:clr>
+        </p15:guide>
+        <p15:guide id="2" pos="2880">
+          <p15:clr>
+            <a:srgbClr val="A4A3A4"/>
+          </p15:clr>
+        </p15:guide>
+      </p15:sldGuideLst>
+    </p:ext>
+  </p:extLst>
 </p:presentation>
+</file>
+
+<file path=ppt/changesInfos/changesInfo1.xml><?xml version="1.0" encoding="utf-8"?>
+<pc:chgInfo xmlns:a="http://schemas.openxmlformats.org/drawingml/2006/main" xmlns:r="http://schemas.openxmlformats.org/officeDocument/2006/relationships" xmlns:ac="http://schemas.microsoft.com/office/drawing/2013/main/command" xmlns:pc="http://schemas.microsoft.com/office/powerpoint/2013/main/command">
+  <pc:docChgLst>
+    <pc:chgData name="Matheus Raffu" userId="945fbc0a8965b131" providerId="LiveId" clId="{EE5C30AE-3C6D-4CFE-8746-2AA061EDFAAD}"/>
+    <pc:docChg chg="modSld">
+      <pc:chgData name="Matheus Raffu" userId="945fbc0a8965b131" providerId="LiveId" clId="{EE5C30AE-3C6D-4CFE-8746-2AA061EDFAAD}" dt="2024-10-19T02:46:49.126" v="0" actId="1076"/>
+      <pc:docMkLst>
+        <pc:docMk/>
+      </pc:docMkLst>
+      <pc:sldChg chg="modSp mod">
+        <pc:chgData name="Matheus Raffu" userId="945fbc0a8965b131" providerId="LiveId" clId="{EE5C30AE-3C6D-4CFE-8746-2AA061EDFAAD}" dt="2024-10-19T02:46:49.126" v="0" actId="1076"/>
+        <pc:sldMkLst>
+          <pc:docMk/>
+          <pc:sldMk cId="0" sldId="256"/>
+        </pc:sldMkLst>
+        <pc:grpChg chg="mod">
+          <ac:chgData name="Matheus Raffu" userId="945fbc0a8965b131" providerId="LiveId" clId="{EE5C30AE-3C6D-4CFE-8746-2AA061EDFAAD}" dt="2024-10-19T02:46:49.126" v="0" actId="1076"/>
+          <ac:grpSpMkLst>
+            <pc:docMk/>
+            <pc:sldMk cId="0" sldId="256"/>
+            <ac:grpSpMk id="18" creationId="{00000000-0000-0000-0000-000000000000}"/>
+          </ac:grpSpMkLst>
+        </pc:grpChg>
+      </pc:sldChg>
+    </pc:docChg>
+  </pc:docChgLst>
+</pc:chgInfo>
 </file>
 
 <file path=ppt/slideLayouts/slideLayout1.xml><?xml version="1.0" encoding="utf-8"?>
@@ -159,10 +204,9 @@
           <a:lstStyle/>
           <a:p>
             <a:r>
-              <a:rPr lang="en-US" smtClean="0"/>
+              <a:rPr lang="en-US"/>
               <a:t>Click to edit Master title style</a:t>
             </a:r>
-            <a:endParaRPr lang="en-US"/>
           </a:p>
         </p:txBody>
       </p:sp>
@@ -278,10 +322,9 @@
           </a:lstStyle>
           <a:p>
             <a:r>
-              <a:rPr lang="en-US" smtClean="0"/>
+              <a:rPr lang="en-US"/>
               <a:t>Click to edit Master subtitle style</a:t>
             </a:r>
-            <a:endParaRPr lang="en-US"/>
           </a:p>
         </p:txBody>
       </p:sp>
@@ -303,7 +346,7 @@
             <a:fld id="{1D8BD707-D9CF-40AE-B4C6-C98DA3205C09}" type="datetimeFigureOut">
               <a:rPr lang="en-US" smtClean="0"/>
               <a:pPr/>
-              <a:t>8/1/2011</a:t>
+              <a:t>10/18/2024</a:t>
             </a:fld>
             <a:endParaRPr lang="en-US"/>
           </a:p>
@@ -346,7 +389,7 @@
             <a:fld id="{B6F15528-21DE-4FAA-801E-634DDDAF4B2B}" type="slidenum">
               <a:rPr lang="en-US" smtClean="0"/>
               <a:pPr/>
-              <a:t>‹#›</a:t>
+              <a:t>‹nº›</a:t>
             </a:fld>
             <a:endParaRPr lang="en-US"/>
           </a:p>
@@ -393,10 +436,9 @@
           <a:lstStyle/>
           <a:p>
             <a:r>
-              <a:rPr lang="en-US" smtClean="0"/>
+              <a:rPr lang="en-US"/>
               <a:t>Click to edit Master title style</a:t>
             </a:r>
-            <a:endParaRPr lang="en-US"/>
           </a:p>
         </p:txBody>
       </p:sp>
@@ -417,38 +459,37 @@
           <a:p>
             <a:pPr lvl="0"/>
             <a:r>
-              <a:rPr lang="en-US" smtClean="0"/>
+              <a:rPr lang="en-US"/>
               <a:t>Click to edit Master text styles</a:t>
             </a:r>
           </a:p>
           <a:p>
             <a:pPr lvl="1"/>
             <a:r>
-              <a:rPr lang="en-US" smtClean="0"/>
+              <a:rPr lang="en-US"/>
               <a:t>Second level</a:t>
             </a:r>
           </a:p>
           <a:p>
             <a:pPr lvl="2"/>
             <a:r>
-              <a:rPr lang="en-US" smtClean="0"/>
+              <a:rPr lang="en-US"/>
               <a:t>Third level</a:t>
             </a:r>
           </a:p>
           <a:p>
             <a:pPr lvl="3"/>
             <a:r>
-              <a:rPr lang="en-US" smtClean="0"/>
+              <a:rPr lang="en-US"/>
               <a:t>Fourth level</a:t>
             </a:r>
           </a:p>
           <a:p>
             <a:pPr lvl="4"/>
             <a:r>
-              <a:rPr lang="en-US" smtClean="0"/>
+              <a:rPr lang="en-US"/>
               <a:t>Fifth level</a:t>
             </a:r>
-            <a:endParaRPr lang="en-US"/>
           </a:p>
         </p:txBody>
       </p:sp>
@@ -470,7 +511,7 @@
             <a:fld id="{1D8BD707-D9CF-40AE-B4C6-C98DA3205C09}" type="datetimeFigureOut">
               <a:rPr lang="en-US" smtClean="0"/>
               <a:pPr/>
-              <a:t>8/1/2011</a:t>
+              <a:t>10/18/2024</a:t>
             </a:fld>
             <a:endParaRPr lang="en-US"/>
           </a:p>
@@ -513,7 +554,7 @@
             <a:fld id="{B6F15528-21DE-4FAA-801E-634DDDAF4B2B}" type="slidenum">
               <a:rPr lang="en-US" smtClean="0"/>
               <a:pPr/>
-              <a:t>‹#›</a:t>
+              <a:t>‹nº›</a:t>
             </a:fld>
             <a:endParaRPr lang="en-US"/>
           </a:p>
@@ -565,10 +606,9 @@
           <a:lstStyle/>
           <a:p>
             <a:r>
-              <a:rPr lang="en-US" smtClean="0"/>
+              <a:rPr lang="en-US"/>
               <a:t>Click to edit Master title style</a:t>
             </a:r>
-            <a:endParaRPr lang="en-US"/>
           </a:p>
         </p:txBody>
       </p:sp>
@@ -594,38 +634,37 @@
           <a:p>
             <a:pPr lvl="0"/>
             <a:r>
-              <a:rPr lang="en-US" smtClean="0"/>
+              <a:rPr lang="en-US"/>
               <a:t>Click to edit Master text styles</a:t>
             </a:r>
           </a:p>
           <a:p>
             <a:pPr lvl="1"/>
             <a:r>
-              <a:rPr lang="en-US" smtClean="0"/>
+              <a:rPr lang="en-US"/>
               <a:t>Second level</a:t>
             </a:r>
           </a:p>
           <a:p>
             <a:pPr lvl="2"/>
             <a:r>
-              <a:rPr lang="en-US" smtClean="0"/>
+              <a:rPr lang="en-US"/>
               <a:t>Third level</a:t>
             </a:r>
           </a:p>
           <a:p>
             <a:pPr lvl="3"/>
             <a:r>
-              <a:rPr lang="en-US" smtClean="0"/>
+              <a:rPr lang="en-US"/>
               <a:t>Fourth level</a:t>
             </a:r>
           </a:p>
           <a:p>
             <a:pPr lvl="4"/>
             <a:r>
-              <a:rPr lang="en-US" smtClean="0"/>
+              <a:rPr lang="en-US"/>
               <a:t>Fifth level</a:t>
             </a:r>
-            <a:endParaRPr lang="en-US"/>
           </a:p>
         </p:txBody>
       </p:sp>
@@ -647,7 +686,7 @@
             <a:fld id="{1D8BD707-D9CF-40AE-B4C6-C98DA3205C09}" type="datetimeFigureOut">
               <a:rPr lang="en-US" smtClean="0"/>
               <a:pPr/>
-              <a:t>8/1/2011</a:t>
+              <a:t>10/18/2024</a:t>
             </a:fld>
             <a:endParaRPr lang="en-US"/>
           </a:p>
@@ -690,7 +729,7 @@
             <a:fld id="{B6F15528-21DE-4FAA-801E-634DDDAF4B2B}" type="slidenum">
               <a:rPr lang="en-US" smtClean="0"/>
               <a:pPr/>
-              <a:t>‹#›</a:t>
+              <a:t>‹nº›</a:t>
             </a:fld>
             <a:endParaRPr lang="en-US"/>
           </a:p>
@@ -737,10 +776,9 @@
           <a:lstStyle/>
           <a:p>
             <a:r>
-              <a:rPr lang="en-US" smtClean="0"/>
+              <a:rPr lang="en-US"/>
               <a:t>Click to edit Master title style</a:t>
             </a:r>
-            <a:endParaRPr lang="en-US"/>
           </a:p>
         </p:txBody>
       </p:sp>
@@ -761,38 +799,37 @@
           <a:p>
             <a:pPr lvl="0"/>
             <a:r>
-              <a:rPr lang="en-US" smtClean="0"/>
+              <a:rPr lang="en-US"/>
               <a:t>Click to edit Master text styles</a:t>
             </a:r>
           </a:p>
           <a:p>
             <a:pPr lvl="1"/>
             <a:r>
-              <a:rPr lang="en-US" smtClean="0"/>
+              <a:rPr lang="en-US"/>
               <a:t>Second level</a:t>
             </a:r>
           </a:p>
           <a:p>
             <a:pPr lvl="2"/>
             <a:r>
-              <a:rPr lang="en-US" smtClean="0"/>
+              <a:rPr lang="en-US"/>
               <a:t>Third level</a:t>
             </a:r>
           </a:p>
           <a:p>
             <a:pPr lvl="3"/>
             <a:r>
-              <a:rPr lang="en-US" smtClean="0"/>
+              <a:rPr lang="en-US"/>
               <a:t>Fourth level</a:t>
             </a:r>
           </a:p>
           <a:p>
             <a:pPr lvl="4"/>
             <a:r>
-              <a:rPr lang="en-US" smtClean="0"/>
+              <a:rPr lang="en-US"/>
               <a:t>Fifth level</a:t>
             </a:r>
-            <a:endParaRPr lang="en-US"/>
           </a:p>
         </p:txBody>
       </p:sp>
@@ -814,7 +851,7 @@
             <a:fld id="{1D8BD707-D9CF-40AE-B4C6-C98DA3205C09}" type="datetimeFigureOut">
               <a:rPr lang="en-US" smtClean="0"/>
               <a:pPr/>
-              <a:t>8/1/2011</a:t>
+              <a:t>10/18/2024</a:t>
             </a:fld>
             <a:endParaRPr lang="en-US"/>
           </a:p>
@@ -857,7 +894,7 @@
             <a:fld id="{B6F15528-21DE-4FAA-801E-634DDDAF4B2B}" type="slidenum">
               <a:rPr lang="en-US" smtClean="0"/>
               <a:pPr/>
-              <a:t>‹#›</a:t>
+              <a:t>‹nº›</a:t>
             </a:fld>
             <a:endParaRPr lang="en-US"/>
           </a:p>
@@ -913,10 +950,9 @@
           </a:lstStyle>
           <a:p>
             <a:r>
-              <a:rPr lang="en-US" smtClean="0"/>
+              <a:rPr lang="en-US"/>
               <a:t>Click to edit Master title style</a:t>
             </a:r>
-            <a:endParaRPr lang="en-US"/>
           </a:p>
         </p:txBody>
       </p:sp>
@@ -1033,7 +1069,7 @@
           <a:p>
             <a:pPr lvl="0"/>
             <a:r>
-              <a:rPr lang="en-US" smtClean="0"/>
+              <a:rPr lang="en-US"/>
               <a:t>Click to edit Master text styles</a:t>
             </a:r>
           </a:p>
@@ -1057,7 +1093,7 @@
             <a:fld id="{1D8BD707-D9CF-40AE-B4C6-C98DA3205C09}" type="datetimeFigureOut">
               <a:rPr lang="en-US" smtClean="0"/>
               <a:pPr/>
-              <a:t>8/1/2011</a:t>
+              <a:t>10/18/2024</a:t>
             </a:fld>
             <a:endParaRPr lang="en-US"/>
           </a:p>
@@ -1100,7 +1136,7 @@
             <a:fld id="{B6F15528-21DE-4FAA-801E-634DDDAF4B2B}" type="slidenum">
               <a:rPr lang="en-US" smtClean="0"/>
               <a:pPr/>
-              <a:t>‹#›</a:t>
+              <a:t>‹nº›</a:t>
             </a:fld>
             <a:endParaRPr lang="en-US"/>
           </a:p>
@@ -1147,10 +1183,9 @@
           <a:lstStyle/>
           <a:p>
             <a:r>
-              <a:rPr lang="en-US" smtClean="0"/>
+              <a:rPr lang="en-US"/>
               <a:t>Click to edit Master title style</a:t>
             </a:r>
-            <a:endParaRPr lang="en-US"/>
           </a:p>
         </p:txBody>
       </p:sp>
@@ -1204,38 +1239,37 @@
           <a:p>
             <a:pPr lvl="0"/>
             <a:r>
-              <a:rPr lang="en-US" smtClean="0"/>
+              <a:rPr lang="en-US"/>
               <a:t>Click to edit Master text styles</a:t>
             </a:r>
           </a:p>
           <a:p>
             <a:pPr lvl="1"/>
             <a:r>
-              <a:rPr lang="en-US" smtClean="0"/>
+              <a:rPr lang="en-US"/>
               <a:t>Second level</a:t>
             </a:r>
           </a:p>
           <a:p>
             <a:pPr lvl="2"/>
             <a:r>
-              <a:rPr lang="en-US" smtClean="0"/>
+              <a:rPr lang="en-US"/>
               <a:t>Third level</a:t>
             </a:r>
           </a:p>
           <a:p>
             <a:pPr lvl="3"/>
             <a:r>
-              <a:rPr lang="en-US" smtClean="0"/>
+              <a:rPr lang="en-US"/>
               <a:t>Fourth level</a:t>
             </a:r>
           </a:p>
           <a:p>
             <a:pPr lvl="4"/>
             <a:r>
-              <a:rPr lang="en-US" smtClean="0"/>
+              <a:rPr lang="en-US"/>
               <a:t>Fifth level</a:t>
             </a:r>
-            <a:endParaRPr lang="en-US"/>
           </a:p>
         </p:txBody>
       </p:sp>
@@ -1289,38 +1323,37 @@
           <a:p>
             <a:pPr lvl="0"/>
             <a:r>
-              <a:rPr lang="en-US" smtClean="0"/>
+              <a:rPr lang="en-US"/>
               <a:t>Click to edit Master text styles</a:t>
             </a:r>
           </a:p>
           <a:p>
             <a:pPr lvl="1"/>
             <a:r>
-              <a:rPr lang="en-US" smtClean="0"/>
+              <a:rPr lang="en-US"/>
               <a:t>Second level</a:t>
             </a:r>
           </a:p>
           <a:p>
             <a:pPr lvl="2"/>
             <a:r>
-              <a:rPr lang="en-US" smtClean="0"/>
+              <a:rPr lang="en-US"/>
               <a:t>Third level</a:t>
             </a:r>
           </a:p>
           <a:p>
             <a:pPr lvl="3"/>
             <a:r>
-              <a:rPr lang="en-US" smtClean="0"/>
+              <a:rPr lang="en-US"/>
               <a:t>Fourth level</a:t>
             </a:r>
           </a:p>
           <a:p>
             <a:pPr lvl="4"/>
             <a:r>
-              <a:rPr lang="en-US" smtClean="0"/>
+              <a:rPr lang="en-US"/>
               <a:t>Fifth level</a:t>
             </a:r>
-            <a:endParaRPr lang="en-US"/>
           </a:p>
         </p:txBody>
       </p:sp>
@@ -1342,7 +1375,7 @@
             <a:fld id="{1D8BD707-D9CF-40AE-B4C6-C98DA3205C09}" type="datetimeFigureOut">
               <a:rPr lang="en-US" smtClean="0"/>
               <a:pPr/>
-              <a:t>8/1/2011</a:t>
+              <a:t>10/18/2024</a:t>
             </a:fld>
             <a:endParaRPr lang="en-US"/>
           </a:p>
@@ -1385,7 +1418,7 @@
             <a:fld id="{B6F15528-21DE-4FAA-801E-634DDDAF4B2B}" type="slidenum">
               <a:rPr lang="en-US" smtClean="0"/>
               <a:pPr/>
-              <a:t>‹#›</a:t>
+              <a:t>‹nº›</a:t>
             </a:fld>
             <a:endParaRPr lang="en-US"/>
           </a:p>
@@ -1436,10 +1469,9 @@
           </a:lstStyle>
           <a:p>
             <a:r>
-              <a:rPr lang="en-US" smtClean="0"/>
+              <a:rPr lang="en-US"/>
               <a:t>Click to edit Master title style</a:t>
             </a:r>
-            <a:endParaRPr lang="en-US"/>
           </a:p>
         </p:txBody>
       </p:sp>
@@ -1502,7 +1534,7 @@
           <a:p>
             <a:pPr lvl="0"/>
             <a:r>
-              <a:rPr lang="en-US" smtClean="0"/>
+              <a:rPr lang="en-US"/>
               <a:t>Click to edit Master text styles</a:t>
             </a:r>
           </a:p>
@@ -1558,38 +1590,37 @@
           <a:p>
             <a:pPr lvl="0"/>
             <a:r>
-              <a:rPr lang="en-US" smtClean="0"/>
+              <a:rPr lang="en-US"/>
               <a:t>Click to edit Master text styles</a:t>
             </a:r>
           </a:p>
           <a:p>
             <a:pPr lvl="1"/>
             <a:r>
-              <a:rPr lang="en-US" smtClean="0"/>
+              <a:rPr lang="en-US"/>
               <a:t>Second level</a:t>
             </a:r>
           </a:p>
           <a:p>
             <a:pPr lvl="2"/>
             <a:r>
-              <a:rPr lang="en-US" smtClean="0"/>
+              <a:rPr lang="en-US"/>
               <a:t>Third level</a:t>
             </a:r>
           </a:p>
           <a:p>
             <a:pPr lvl="3"/>
             <a:r>
-              <a:rPr lang="en-US" smtClean="0"/>
+              <a:rPr lang="en-US"/>
               <a:t>Fourth level</a:t>
             </a:r>
           </a:p>
           <a:p>
             <a:pPr lvl="4"/>
             <a:r>
-              <a:rPr lang="en-US" smtClean="0"/>
+              <a:rPr lang="en-US"/>
               <a:t>Fifth level</a:t>
             </a:r>
-            <a:endParaRPr lang="en-US"/>
           </a:p>
         </p:txBody>
       </p:sp>
@@ -1652,7 +1683,7 @@
           <a:p>
             <a:pPr lvl="0"/>
             <a:r>
-              <a:rPr lang="en-US" smtClean="0"/>
+              <a:rPr lang="en-US"/>
               <a:t>Click to edit Master text styles</a:t>
             </a:r>
           </a:p>
@@ -1708,38 +1739,37 @@
           <a:p>
             <a:pPr lvl="0"/>
             <a:r>
-              <a:rPr lang="en-US" smtClean="0"/>
+              <a:rPr lang="en-US"/>
               <a:t>Click to edit Master text styles</a:t>
             </a:r>
           </a:p>
           <a:p>
             <a:pPr lvl="1"/>
             <a:r>
-              <a:rPr lang="en-US" smtClean="0"/>
+              <a:rPr lang="en-US"/>
               <a:t>Second level</a:t>
             </a:r>
           </a:p>
           <a:p>
             <a:pPr lvl="2"/>
             <a:r>
-              <a:rPr lang="en-US" smtClean="0"/>
+              <a:rPr lang="en-US"/>
               <a:t>Third level</a:t>
             </a:r>
           </a:p>
           <a:p>
             <a:pPr lvl="3"/>
             <a:r>
-              <a:rPr lang="en-US" smtClean="0"/>
+              <a:rPr lang="en-US"/>
               <a:t>Fourth level</a:t>
             </a:r>
           </a:p>
           <a:p>
             <a:pPr lvl="4"/>
             <a:r>
-              <a:rPr lang="en-US" smtClean="0"/>
+              <a:rPr lang="en-US"/>
               <a:t>Fifth level</a:t>
             </a:r>
-            <a:endParaRPr lang="en-US"/>
           </a:p>
         </p:txBody>
       </p:sp>
@@ -1761,7 +1791,7 @@
             <a:fld id="{1D8BD707-D9CF-40AE-B4C6-C98DA3205C09}" type="datetimeFigureOut">
               <a:rPr lang="en-US" smtClean="0"/>
               <a:pPr/>
-              <a:t>8/1/2011</a:t>
+              <a:t>10/18/2024</a:t>
             </a:fld>
             <a:endParaRPr lang="en-US"/>
           </a:p>
@@ -1804,7 +1834,7 @@
             <a:fld id="{B6F15528-21DE-4FAA-801E-634DDDAF4B2B}" type="slidenum">
               <a:rPr lang="en-US" smtClean="0"/>
               <a:pPr/>
-              <a:t>‹#›</a:t>
+              <a:t>‹nº›</a:t>
             </a:fld>
             <a:endParaRPr lang="en-US"/>
           </a:p>
@@ -1851,10 +1881,9 @@
           <a:lstStyle/>
           <a:p>
             <a:r>
-              <a:rPr lang="en-US" smtClean="0"/>
+              <a:rPr lang="en-US"/>
               <a:t>Click to edit Master title style</a:t>
             </a:r>
-            <a:endParaRPr lang="en-US"/>
           </a:p>
         </p:txBody>
       </p:sp>
@@ -1876,7 +1905,7 @@
             <a:fld id="{1D8BD707-D9CF-40AE-B4C6-C98DA3205C09}" type="datetimeFigureOut">
               <a:rPr lang="en-US" smtClean="0"/>
               <a:pPr/>
-              <a:t>8/1/2011</a:t>
+              <a:t>10/18/2024</a:t>
             </a:fld>
             <a:endParaRPr lang="en-US"/>
           </a:p>
@@ -1919,7 +1948,7 @@
             <a:fld id="{B6F15528-21DE-4FAA-801E-634DDDAF4B2B}" type="slidenum">
               <a:rPr lang="en-US" smtClean="0"/>
               <a:pPr/>
-              <a:t>‹#›</a:t>
+              <a:t>‹nº›</a:t>
             </a:fld>
             <a:endParaRPr lang="en-US"/>
           </a:p>
@@ -1968,7 +1997,7 @@
             <a:fld id="{1D8BD707-D9CF-40AE-B4C6-C98DA3205C09}" type="datetimeFigureOut">
               <a:rPr lang="en-US" smtClean="0"/>
               <a:pPr/>
-              <a:t>8/1/2011</a:t>
+              <a:t>10/18/2024</a:t>
             </a:fld>
             <a:endParaRPr lang="en-US"/>
           </a:p>
@@ -2011,7 +2040,7 @@
             <a:fld id="{B6F15528-21DE-4FAA-801E-634DDDAF4B2B}" type="slidenum">
               <a:rPr lang="en-US" smtClean="0"/>
               <a:pPr/>
-              <a:t>‹#›</a:t>
+              <a:t>‹nº›</a:t>
             </a:fld>
             <a:endParaRPr lang="en-US"/>
           </a:p>
@@ -2067,10 +2096,9 @@
           </a:lstStyle>
           <a:p>
             <a:r>
-              <a:rPr lang="en-US" smtClean="0"/>
+              <a:rPr lang="en-US"/>
               <a:t>Click to edit Master title style</a:t>
             </a:r>
-            <a:endParaRPr lang="en-US"/>
           </a:p>
         </p:txBody>
       </p:sp>
@@ -2124,38 +2152,37 @@
           <a:p>
             <a:pPr lvl="0"/>
             <a:r>
-              <a:rPr lang="en-US" smtClean="0"/>
+              <a:rPr lang="en-US"/>
               <a:t>Click to edit Master text styles</a:t>
             </a:r>
           </a:p>
           <a:p>
             <a:pPr lvl="1"/>
             <a:r>
-              <a:rPr lang="en-US" smtClean="0"/>
+              <a:rPr lang="en-US"/>
               <a:t>Second level</a:t>
             </a:r>
           </a:p>
           <a:p>
             <a:pPr lvl="2"/>
             <a:r>
-              <a:rPr lang="en-US" smtClean="0"/>
+              <a:rPr lang="en-US"/>
               <a:t>Third level</a:t>
             </a:r>
           </a:p>
           <a:p>
             <a:pPr lvl="3"/>
             <a:r>
-              <a:rPr lang="en-US" smtClean="0"/>
+              <a:rPr lang="en-US"/>
               <a:t>Fourth level</a:t>
             </a:r>
           </a:p>
           <a:p>
             <a:pPr lvl="4"/>
             <a:r>
-              <a:rPr lang="en-US" smtClean="0"/>
+              <a:rPr lang="en-US"/>
               <a:t>Fifth level</a:t>
             </a:r>
-            <a:endParaRPr lang="en-US"/>
           </a:p>
         </p:txBody>
       </p:sp>
@@ -2218,7 +2245,7 @@
           <a:p>
             <a:pPr lvl="0"/>
             <a:r>
-              <a:rPr lang="en-US" smtClean="0"/>
+              <a:rPr lang="en-US"/>
               <a:t>Click to edit Master text styles</a:t>
             </a:r>
           </a:p>
@@ -2242,7 +2269,7 @@
             <a:fld id="{1D8BD707-D9CF-40AE-B4C6-C98DA3205C09}" type="datetimeFigureOut">
               <a:rPr lang="en-US" smtClean="0"/>
               <a:pPr/>
-              <a:t>8/1/2011</a:t>
+              <a:t>10/18/2024</a:t>
             </a:fld>
             <a:endParaRPr lang="en-US"/>
           </a:p>
@@ -2285,7 +2312,7 @@
             <a:fld id="{B6F15528-21DE-4FAA-801E-634DDDAF4B2B}" type="slidenum">
               <a:rPr lang="en-US" smtClean="0"/>
               <a:pPr/>
-              <a:t>‹#›</a:t>
+              <a:t>‹nº›</a:t>
             </a:fld>
             <a:endParaRPr lang="en-US"/>
           </a:p>
@@ -2341,10 +2368,9 @@
           </a:lstStyle>
           <a:p>
             <a:r>
-              <a:rPr lang="en-US" smtClean="0"/>
+              <a:rPr lang="en-US"/>
               <a:t>Click to edit Master title style</a:t>
             </a:r>
-            <a:endParaRPr lang="en-US"/>
           </a:p>
         </p:txBody>
       </p:sp>
@@ -2468,7 +2494,7 @@
           <a:p>
             <a:pPr lvl="0"/>
             <a:r>
-              <a:rPr lang="en-US" smtClean="0"/>
+              <a:rPr lang="en-US"/>
               <a:t>Click to edit Master text styles</a:t>
             </a:r>
           </a:p>
@@ -2492,7 +2518,7 @@
             <a:fld id="{1D8BD707-D9CF-40AE-B4C6-C98DA3205C09}" type="datetimeFigureOut">
               <a:rPr lang="en-US" smtClean="0"/>
               <a:pPr/>
-              <a:t>8/1/2011</a:t>
+              <a:t>10/18/2024</a:t>
             </a:fld>
             <a:endParaRPr lang="en-US"/>
           </a:p>
@@ -2535,7 +2561,7 @@
             <a:fld id="{B6F15528-21DE-4FAA-801E-634DDDAF4B2B}" type="slidenum">
               <a:rPr lang="en-US" smtClean="0"/>
               <a:pPr/>
-              <a:t>‹#›</a:t>
+              <a:t>‹nº›</a:t>
             </a:fld>
             <a:endParaRPr lang="en-US"/>
           </a:p>
@@ -2597,10 +2623,9 @@
           <a:lstStyle/>
           <a:p>
             <a:r>
-              <a:rPr lang="en-US" smtClean="0"/>
+              <a:rPr lang="en-US"/>
               <a:t>Click to edit Master title style</a:t>
             </a:r>
-            <a:endParaRPr lang="en-US"/>
           </a:p>
         </p:txBody>
       </p:sp>
@@ -2631,38 +2656,37 @@
           <a:p>
             <a:pPr lvl="0"/>
             <a:r>
-              <a:rPr lang="en-US" smtClean="0"/>
+              <a:rPr lang="en-US"/>
               <a:t>Click to edit Master text styles</a:t>
             </a:r>
           </a:p>
           <a:p>
             <a:pPr lvl="1"/>
             <a:r>
-              <a:rPr lang="en-US" smtClean="0"/>
+              <a:rPr lang="en-US"/>
               <a:t>Second level</a:t>
             </a:r>
           </a:p>
           <a:p>
             <a:pPr lvl="2"/>
             <a:r>
-              <a:rPr lang="en-US" smtClean="0"/>
+              <a:rPr lang="en-US"/>
               <a:t>Third level</a:t>
             </a:r>
           </a:p>
           <a:p>
             <a:pPr lvl="3"/>
             <a:r>
-              <a:rPr lang="en-US" smtClean="0"/>
+              <a:rPr lang="en-US"/>
               <a:t>Fourth level</a:t>
             </a:r>
           </a:p>
           <a:p>
             <a:pPr lvl="4"/>
             <a:r>
-              <a:rPr lang="en-US" smtClean="0"/>
+              <a:rPr lang="en-US"/>
               <a:t>Fifth level</a:t>
             </a:r>
-            <a:endParaRPr lang="en-US"/>
           </a:p>
         </p:txBody>
       </p:sp>
@@ -2702,7 +2726,7 @@
             <a:fld id="{1D8BD707-D9CF-40AE-B4C6-C98DA3205C09}" type="datetimeFigureOut">
               <a:rPr lang="en-US" smtClean="0"/>
               <a:pPr/>
-              <a:t>8/1/2011</a:t>
+              <a:t>10/18/2024</a:t>
             </a:fld>
             <a:endParaRPr lang="en-US"/>
           </a:p>
@@ -2781,7 +2805,7 @@
             <a:fld id="{B6F15528-21DE-4FAA-801E-634DDDAF4B2B}" type="slidenum">
               <a:rPr lang="en-US" smtClean="0"/>
               <a:pPr/>
-              <a:t>‹#›</a:t>
+              <a:t>‹nº›</a:t>
             </a:fld>
             <a:endParaRPr lang="en-US"/>
           </a:p>
@@ -3057,7 +3081,7 @@
 </file>
 
 <file path=ppt/slides/slide1.xml><?xml version="1.0" encoding="utf-8"?>
-<p:sld xmlns:p="http://schemas.openxmlformats.org/presentationml/2006/main" xmlns:a="http://schemas.openxmlformats.org/drawingml/2006/main" xmlns:r="http://schemas.openxmlformats.org/officeDocument/2006/relationships">
+<p:sld xmlns:a="http://schemas.openxmlformats.org/drawingml/2006/main" xmlns:r="http://schemas.openxmlformats.org/officeDocument/2006/relationships" xmlns:p="http://schemas.openxmlformats.org/presentationml/2006/main">
   <p:cSld>
     <p:spTree>
       <p:nvGrpSpPr>
@@ -3075,12 +3099,12 @@
       </p:grpSpPr>
       <p:grpSp>
         <p:nvGrpSpPr>
-          <p:cNvPr name="Group 2" id="2"/>
+          <p:cNvPr id="2" name="Group 2"/>
           <p:cNvGrpSpPr/>
           <p:nvPr/>
         </p:nvGrpSpPr>
         <p:grpSpPr>
-          <a:xfrm rot="0">
+          <a:xfrm>
             <a:off x="14502802" y="4538590"/>
             <a:ext cx="3118533" cy="1902305"/>
             <a:chOff x="0" y="0"/>
@@ -3089,12 +3113,12 @@
         </p:grpSpPr>
         <p:sp>
           <p:nvSpPr>
-            <p:cNvPr name="Freeform 3" id="3"/>
+            <p:cNvPr id="3" name="Freeform 3"/>
             <p:cNvSpPr/>
             <p:nvPr/>
           </p:nvSpPr>
           <p:spPr>
-            <a:xfrm flipH="false" flipV="false" rot="0">
+            <a:xfrm>
               <a:off x="0" y="0"/>
               <a:ext cx="4158044" cy="2536407"/>
             </a:xfrm>
@@ -3103,9 +3127,9 @@
               <a:gdLst/>
               <a:ahLst/>
               <a:cxnLst/>
-              <a:rect r="r" b="b" t="t" l="l"/>
+              <a:rect l="l" t="t" r="r" b="b"/>
               <a:pathLst>
-                <a:path h="2536407" w="4158044">
+                <a:path w="4158044" h="2536407">
                   <a:moveTo>
                     <a:pt x="0" y="0"/>
                   </a:moveTo>
@@ -3128,19 +3152,26 @@
             <a:blipFill>
               <a:blip r:embed="rId2"/>
               <a:stretch>
-                <a:fillRect l="0" t="0" r="0" b="0"/>
+                <a:fillRect/>
               </a:stretch>
             </a:blipFill>
           </p:spPr>
+          <p:txBody>
+            <a:bodyPr/>
+            <a:lstStyle/>
+            <a:p>
+              <a:endParaRPr lang="pt-BR"/>
+            </a:p>
+          </p:txBody>
         </p:sp>
         <p:sp>
           <p:nvSpPr>
-            <p:cNvPr name="Freeform 4" id="4"/>
+            <p:cNvPr id="4" name="Freeform 4"/>
             <p:cNvSpPr/>
             <p:nvPr/>
           </p:nvSpPr>
           <p:spPr>
-            <a:xfrm flipH="false" flipV="false" rot="0">
+            <a:xfrm>
               <a:off x="934207" y="237097"/>
               <a:ext cx="2289630" cy="1757291"/>
             </a:xfrm>
@@ -3149,9 +3180,9 @@
               <a:gdLst/>
               <a:ahLst/>
               <a:cxnLst/>
-              <a:rect r="r" b="b" t="t" l="l"/>
+              <a:rect l="l" t="t" r="r" b="b"/>
               <a:pathLst>
-                <a:path h="1757291" w="2289630">
+                <a:path w="2289630" h="1757291">
                   <a:moveTo>
                     <a:pt x="0" y="0"/>
                   </a:moveTo>
@@ -3180,20 +3211,27 @@
                 </a:extLst>
               </a:blip>
               <a:stretch>
-                <a:fillRect l="0" t="0" r="0" b="0"/>
+                <a:fillRect/>
               </a:stretch>
             </a:blipFill>
           </p:spPr>
+          <p:txBody>
+            <a:bodyPr/>
+            <a:lstStyle/>
+            <a:p>
+              <a:endParaRPr lang="pt-BR"/>
+            </a:p>
+          </p:txBody>
         </p:sp>
       </p:grpSp>
       <p:sp>
         <p:nvSpPr>
-          <p:cNvPr name="Freeform 5" id="5"/>
+          <p:cNvPr id="5" name="Freeform 5"/>
           <p:cNvSpPr/>
           <p:nvPr/>
         </p:nvSpPr>
         <p:spPr>
-          <a:xfrm flipH="false" flipV="false" rot="3794656">
+          <a:xfrm rot="3794656">
             <a:off x="15611387" y="3590639"/>
             <a:ext cx="761241" cy="492903"/>
           </a:xfrm>
@@ -3202,9 +3240,9 @@
             <a:gdLst/>
             <a:ahLst/>
             <a:cxnLst/>
-            <a:rect r="r" b="b" t="t" l="l"/>
+            <a:rect l="l" t="t" r="r" b="b"/>
             <a:pathLst>
-              <a:path h="492903" w="761241">
+              <a:path w="761241" h="492903">
                 <a:moveTo>
                   <a:pt x="0" y="0"/>
                 </a:moveTo>
@@ -3233,19 +3271,26 @@
               </a:extLst>
             </a:blip>
             <a:stretch>
-              <a:fillRect l="0" t="0" r="0" b="0"/>
+              <a:fillRect/>
             </a:stretch>
           </a:blipFill>
         </p:spPr>
+        <p:txBody>
+          <a:bodyPr/>
+          <a:lstStyle/>
+          <a:p>
+            <a:endParaRPr lang="pt-BR"/>
+          </a:p>
+        </p:txBody>
       </p:sp>
       <p:grpSp>
         <p:nvGrpSpPr>
-          <p:cNvPr name="Group 6" id="6"/>
+          <p:cNvPr id="6" name="Group 6"/>
           <p:cNvGrpSpPr/>
           <p:nvPr/>
         </p:nvGrpSpPr>
         <p:grpSpPr>
-          <a:xfrm rot="0">
+          <a:xfrm>
             <a:off x="11160449" y="3118946"/>
             <a:ext cx="2277068" cy="2183605"/>
             <a:chOff x="0" y="0"/>
@@ -3254,12 +3299,12 @@
         </p:grpSpPr>
         <p:sp>
           <p:nvSpPr>
-            <p:cNvPr name="Freeform 7" id="7"/>
+            <p:cNvPr id="7" name="Freeform 7"/>
             <p:cNvSpPr/>
             <p:nvPr/>
           </p:nvSpPr>
           <p:spPr>
-            <a:xfrm flipH="false" flipV="false" rot="0">
+            <a:xfrm>
               <a:off x="0" y="0"/>
               <a:ext cx="599721" cy="575106"/>
             </a:xfrm>
@@ -3268,9 +3313,9 @@
               <a:gdLst/>
               <a:ahLst/>
               <a:cxnLst/>
-              <a:rect r="r" b="b" t="t" l="l"/>
+              <a:rect l="l" t="t" r="r" b="b"/>
               <a:pathLst>
-                <a:path h="575106" w="599721">
+                <a:path w="599721" h="575106">
                   <a:moveTo>
                     <a:pt x="241397" y="0"/>
                   </a:moveTo>
@@ -3338,11 +3383,18 @@
               <a:round/>
             </a:ln>
           </p:spPr>
+          <p:txBody>
+            <a:bodyPr/>
+            <a:lstStyle/>
+            <a:p>
+              <a:endParaRPr lang="pt-BR"/>
+            </a:p>
+          </p:txBody>
         </p:sp>
         <p:sp>
           <p:nvSpPr>
-            <p:cNvPr name="TextBox 8" id="8"/>
-            <p:cNvSpPr txBox="true"/>
+            <p:cNvPr id="8" name="TextBox 8"/>
+            <p:cNvSpPr txBox="1"/>
             <p:nvPr/>
           </p:nvSpPr>
           <p:spPr>
@@ -3355,7 +3407,7 @@
             </a:prstGeom>
           </p:spPr>
           <p:txBody>
-            <a:bodyPr anchor="ctr" rtlCol="false" tIns="50800" lIns="50800" bIns="50800" rIns="50800"/>
+            <a:bodyPr lIns="50800" tIns="50800" rIns="50800" bIns="50800" rtlCol="0" anchor="ctr"/>
             <a:lstStyle/>
             <a:p>
               <a:pPr algn="ctr">
@@ -3363,18 +3415,19 @@
                   <a:spcPts val="2659"/>
                 </a:lnSpc>
               </a:pPr>
+              <a:endParaRPr/>
             </a:p>
           </p:txBody>
         </p:sp>
       </p:grpSp>
       <p:grpSp>
         <p:nvGrpSpPr>
-          <p:cNvPr name="Group 9" id="9"/>
+          <p:cNvPr id="9" name="Group 9"/>
           <p:cNvGrpSpPr/>
           <p:nvPr/>
         </p:nvGrpSpPr>
         <p:grpSpPr>
-          <a:xfrm rot="0">
+          <a:xfrm>
             <a:off x="7481156" y="1397894"/>
             <a:ext cx="6473625" cy="7505293"/>
             <a:chOff x="0" y="0"/>
@@ -3383,12 +3436,12 @@
         </p:grpSpPr>
         <p:sp>
           <p:nvSpPr>
-            <p:cNvPr name="Freeform 10" id="10"/>
+            <p:cNvPr id="10" name="Freeform 10"/>
             <p:cNvSpPr/>
             <p:nvPr/>
           </p:nvSpPr>
           <p:spPr>
-            <a:xfrm flipH="false" flipV="false" rot="0">
+            <a:xfrm>
               <a:off x="0" y="0"/>
               <a:ext cx="1704988" cy="1976703"/>
             </a:xfrm>
@@ -3397,9 +3450,9 @@
               <a:gdLst/>
               <a:ahLst/>
               <a:cxnLst/>
-              <a:rect r="r" b="b" t="t" l="l"/>
+              <a:rect l="l" t="t" r="r" b="b"/>
               <a:pathLst>
-                <a:path h="1976703" w="1704988">
+                <a:path w="1704988" h="1976703">
                   <a:moveTo>
                     <a:pt x="84910" y="0"/>
                   </a:moveTo>
@@ -3452,11 +3505,18 @@
               <a:round/>
             </a:ln>
           </p:spPr>
+          <p:txBody>
+            <a:bodyPr/>
+            <a:lstStyle/>
+            <a:p>
+              <a:endParaRPr lang="pt-BR"/>
+            </a:p>
+          </p:txBody>
         </p:sp>
         <p:sp>
           <p:nvSpPr>
-            <p:cNvPr name="TextBox 11" id="11"/>
-            <p:cNvSpPr txBox="true"/>
+            <p:cNvPr id="11" name="TextBox 11"/>
+            <p:cNvSpPr txBox="1"/>
             <p:nvPr/>
           </p:nvSpPr>
           <p:spPr>
@@ -3469,7 +3529,7 @@
             </a:prstGeom>
           </p:spPr>
           <p:txBody>
-            <a:bodyPr anchor="ctr" rtlCol="false" tIns="50800" lIns="50800" bIns="50800" rIns="50800"/>
+            <a:bodyPr lIns="50800" tIns="50800" rIns="50800" bIns="50800" rtlCol="0" anchor="ctr"/>
             <a:lstStyle/>
             <a:p>
               <a:pPr algn="ctr">
@@ -3477,6 +3537,7 @@
                   <a:spcPts val="2659"/>
                 </a:lnSpc>
               </a:pPr>
+              <a:endParaRPr/>
             </a:p>
             <a:p>
               <a:pPr algn="ctr">
@@ -3484,18 +3545,19 @@
                   <a:spcPts val="2659"/>
                 </a:lnSpc>
               </a:pPr>
+              <a:endParaRPr/>
             </a:p>
           </p:txBody>
         </p:sp>
       </p:grpSp>
       <p:grpSp>
         <p:nvGrpSpPr>
-          <p:cNvPr name="Group 12" id="12"/>
+          <p:cNvPr id="12" name="Group 12"/>
           <p:cNvGrpSpPr/>
           <p:nvPr/>
         </p:nvGrpSpPr>
         <p:grpSpPr>
-          <a:xfrm rot="0">
+          <a:xfrm>
             <a:off x="9416711" y="5899317"/>
             <a:ext cx="3006279" cy="2746174"/>
             <a:chOff x="0" y="0"/>
@@ -3504,12 +3566,12 @@
         </p:grpSpPr>
         <p:sp>
           <p:nvSpPr>
-            <p:cNvPr name="Freeform 13" id="13"/>
+            <p:cNvPr id="13" name="Freeform 13"/>
             <p:cNvSpPr/>
             <p:nvPr/>
           </p:nvSpPr>
           <p:spPr>
-            <a:xfrm flipH="false" flipV="false" rot="0">
+            <a:xfrm>
               <a:off x="0" y="0"/>
               <a:ext cx="791777" cy="723272"/>
             </a:xfrm>
@@ -3518,9 +3580,9 @@
               <a:gdLst/>
               <a:ahLst/>
               <a:cxnLst/>
-              <a:rect r="r" b="b" t="t" l="l"/>
+              <a:rect l="l" t="t" r="r" b="b"/>
               <a:pathLst>
-                <a:path h="723272" w="791777">
+                <a:path w="791777" h="723272">
                   <a:moveTo>
                     <a:pt x="182843" y="0"/>
                   </a:moveTo>
@@ -3583,11 +3645,18 @@
               <a:round/>
             </a:ln>
           </p:spPr>
+          <p:txBody>
+            <a:bodyPr/>
+            <a:lstStyle/>
+            <a:p>
+              <a:endParaRPr lang="pt-BR"/>
+            </a:p>
+          </p:txBody>
         </p:sp>
         <p:sp>
           <p:nvSpPr>
-            <p:cNvPr name="TextBox 14" id="14"/>
-            <p:cNvSpPr txBox="true"/>
+            <p:cNvPr id="14" name="TextBox 14"/>
+            <p:cNvSpPr txBox="1"/>
             <p:nvPr/>
           </p:nvSpPr>
           <p:spPr>
@@ -3600,7 +3669,7 @@
             </a:prstGeom>
           </p:spPr>
           <p:txBody>
-            <a:bodyPr anchor="ctr" rtlCol="false" tIns="50800" lIns="50800" bIns="50800" rIns="50800"/>
+            <a:bodyPr lIns="50800" tIns="50800" rIns="50800" bIns="50800" rtlCol="0" anchor="ctr"/>
             <a:lstStyle/>
             <a:p>
               <a:pPr algn="ctr">
@@ -3608,18 +3677,19 @@
                   <a:spcPts val="2659"/>
                 </a:lnSpc>
               </a:pPr>
+              <a:endParaRPr/>
             </a:p>
           </p:txBody>
         </p:sp>
       </p:grpSp>
       <p:grpSp>
         <p:nvGrpSpPr>
-          <p:cNvPr name="Group 15" id="15"/>
+          <p:cNvPr id="15" name="Group 15"/>
           <p:cNvGrpSpPr/>
           <p:nvPr/>
         </p:nvGrpSpPr>
         <p:grpSpPr>
-          <a:xfrm rot="0">
+          <a:xfrm>
             <a:off x="8106684" y="3014795"/>
             <a:ext cx="2344568" cy="2398984"/>
             <a:chOff x="0" y="0"/>
@@ -3628,12 +3698,12 @@
         </p:grpSpPr>
         <p:sp>
           <p:nvSpPr>
-            <p:cNvPr name="Freeform 16" id="16"/>
+            <p:cNvPr id="16" name="Freeform 16"/>
             <p:cNvSpPr/>
             <p:nvPr/>
           </p:nvSpPr>
           <p:spPr>
-            <a:xfrm flipH="false" flipV="false" rot="0">
+            <a:xfrm>
               <a:off x="0" y="0"/>
               <a:ext cx="617499" cy="631831"/>
             </a:xfrm>
@@ -3642,9 +3712,9 @@
               <a:gdLst/>
               <a:ahLst/>
               <a:cxnLst/>
-              <a:rect r="r" b="b" t="t" l="l"/>
+              <a:rect l="l" t="t" r="r" b="b"/>
               <a:pathLst>
-                <a:path h="631831" w="617499">
+                <a:path w="617499" h="631831">
                   <a:moveTo>
                     <a:pt x="234447" y="0"/>
                   </a:moveTo>
@@ -3697,11 +3767,18 @@
               <a:round/>
             </a:ln>
           </p:spPr>
+          <p:txBody>
+            <a:bodyPr/>
+            <a:lstStyle/>
+            <a:p>
+              <a:endParaRPr lang="pt-BR"/>
+            </a:p>
+          </p:txBody>
         </p:sp>
         <p:sp>
           <p:nvSpPr>
-            <p:cNvPr name="TextBox 17" id="17"/>
-            <p:cNvSpPr txBox="true"/>
+            <p:cNvPr id="17" name="TextBox 17"/>
+            <p:cNvSpPr txBox="1"/>
             <p:nvPr/>
           </p:nvSpPr>
           <p:spPr>
@@ -3714,7 +3791,7 @@
             </a:prstGeom>
           </p:spPr>
           <p:txBody>
-            <a:bodyPr anchor="ctr" rtlCol="false" tIns="50800" lIns="50800" bIns="50800" rIns="50800"/>
+            <a:bodyPr lIns="50800" tIns="50800" rIns="50800" bIns="50800" rtlCol="0" anchor="ctr"/>
             <a:lstStyle/>
             <a:p>
               <a:pPr algn="ctr">
@@ -3722,19 +3799,20 @@
                   <a:spcPts val="2659"/>
                 </a:lnSpc>
               </a:pPr>
+              <a:endParaRPr/>
             </a:p>
           </p:txBody>
         </p:sp>
       </p:grpSp>
       <p:grpSp>
         <p:nvGrpSpPr>
-          <p:cNvPr name="Group 18" id="18"/>
+          <p:cNvPr id="18" name="Group 18"/>
           <p:cNvGrpSpPr/>
           <p:nvPr/>
         </p:nvGrpSpPr>
         <p:grpSpPr>
-          <a:xfrm rot="0">
-            <a:off x="10746527" y="2722579"/>
+          <a:xfrm>
+            <a:off x="10746526" y="2681593"/>
             <a:ext cx="2980594" cy="2736641"/>
             <a:chOff x="0" y="0"/>
             <a:chExt cx="785012" cy="720762"/>
@@ -3742,12 +3820,12 @@
         </p:grpSpPr>
         <p:sp>
           <p:nvSpPr>
-            <p:cNvPr name="Freeform 19" id="19"/>
+            <p:cNvPr id="19" name="Freeform 19"/>
             <p:cNvSpPr/>
             <p:nvPr/>
           </p:nvSpPr>
           <p:spPr>
-            <a:xfrm flipH="false" flipV="false" rot="0">
+            <a:xfrm>
               <a:off x="0" y="0"/>
               <a:ext cx="785012" cy="720762"/>
             </a:xfrm>
@@ -3756,9 +3834,9 @@
               <a:gdLst/>
               <a:ahLst/>
               <a:cxnLst/>
-              <a:rect r="r" b="b" t="t" l="l"/>
+              <a:rect l="l" t="t" r="r" b="b"/>
               <a:pathLst>
-                <a:path h="720762" w="785012">
+                <a:path w="785012" h="720762">
                   <a:moveTo>
                     <a:pt x="184418" y="0"/>
                   </a:moveTo>
@@ -3831,11 +3909,18 @@
               <a:round/>
             </a:ln>
           </p:spPr>
+          <p:txBody>
+            <a:bodyPr/>
+            <a:lstStyle/>
+            <a:p>
+              <a:endParaRPr lang="pt-BR"/>
+            </a:p>
+          </p:txBody>
         </p:sp>
         <p:sp>
           <p:nvSpPr>
-            <p:cNvPr name="TextBox 20" id="20"/>
-            <p:cNvSpPr txBox="true"/>
+            <p:cNvPr id="20" name="TextBox 20"/>
+            <p:cNvSpPr txBox="1"/>
             <p:nvPr/>
           </p:nvSpPr>
           <p:spPr>
@@ -3848,7 +3933,7 @@
             </a:prstGeom>
           </p:spPr>
           <p:txBody>
-            <a:bodyPr anchor="ctr" rtlCol="false" tIns="50800" lIns="50800" bIns="50800" rIns="50800"/>
+            <a:bodyPr lIns="50800" tIns="50800" rIns="50800" bIns="50800" rtlCol="0" anchor="ctr"/>
             <a:lstStyle/>
             <a:p>
               <a:pPr algn="ctr">
@@ -3856,18 +3941,19 @@
                   <a:spcPts val="2659"/>
                 </a:lnSpc>
               </a:pPr>
+              <a:endParaRPr/>
             </a:p>
           </p:txBody>
         </p:sp>
       </p:grpSp>
       <p:sp>
         <p:nvSpPr>
-          <p:cNvPr name="Freeform 21" id="21"/>
+          <p:cNvPr id="21" name="Freeform 21"/>
           <p:cNvSpPr/>
           <p:nvPr/>
         </p:nvSpPr>
         <p:spPr>
-          <a:xfrm flipH="false" flipV="false" rot="94632">
+          <a:xfrm rot="94632">
             <a:off x="10277399" y="3639519"/>
             <a:ext cx="748348" cy="484555"/>
           </a:xfrm>
@@ -3876,9 +3962,9 @@
             <a:gdLst/>
             <a:ahLst/>
             <a:cxnLst/>
-            <a:rect r="r" b="b" t="t" l="l"/>
+            <a:rect l="l" t="t" r="r" b="b"/>
             <a:pathLst>
-              <a:path h="484555" w="748348">
+              <a:path w="748348" h="484555">
                 <a:moveTo>
                   <a:pt x="0" y="0"/>
                 </a:moveTo>
@@ -3907,19 +3993,26 @@
               </a:extLst>
             </a:blip>
             <a:stretch>
-              <a:fillRect l="0" t="0" r="0" b="0"/>
+              <a:fillRect/>
             </a:stretch>
           </a:blipFill>
         </p:spPr>
-      </p:sp>
-      <p:sp>
-        <p:nvSpPr>
-          <p:cNvPr name="Freeform 22" id="22"/>
+        <p:txBody>
+          <a:bodyPr/>
+          <a:lstStyle/>
+          <a:p>
+            <a:endParaRPr lang="pt-BR"/>
+          </a:p>
+        </p:txBody>
+      </p:sp>
+      <p:sp>
+        <p:nvSpPr>
+          <p:cNvPr id="22" name="Freeform 22"/>
           <p:cNvSpPr/>
           <p:nvPr/>
         </p:nvSpPr>
         <p:spPr>
-          <a:xfrm flipH="false" flipV="false" rot="0">
+          <a:xfrm>
             <a:off x="8408582" y="3931418"/>
             <a:ext cx="1740771" cy="487416"/>
           </a:xfrm>
@@ -3928,9 +4021,9 @@
             <a:gdLst/>
             <a:ahLst/>
             <a:cxnLst/>
-            <a:rect r="r" b="b" t="t" l="l"/>
+            <a:rect l="l" t="t" r="r" b="b"/>
             <a:pathLst>
-              <a:path h="487416" w="1740771">
+              <a:path w="1740771" h="487416">
                 <a:moveTo>
                   <a:pt x="0" y="0"/>
                 </a:moveTo>
@@ -3959,19 +4052,26 @@
               </a:extLst>
             </a:blip>
             <a:stretch>
-              <a:fillRect l="0" t="0" r="0" b="0"/>
+              <a:fillRect/>
             </a:stretch>
           </a:blipFill>
         </p:spPr>
-      </p:sp>
-      <p:sp>
-        <p:nvSpPr>
-          <p:cNvPr name="Freeform 23" id="23"/>
+        <p:txBody>
+          <a:bodyPr/>
+          <a:lstStyle/>
+          <a:p>
+            <a:endParaRPr lang="pt-BR"/>
+          </a:p>
+        </p:txBody>
+      </p:sp>
+      <p:sp>
+        <p:nvSpPr>
+          <p:cNvPr id="23" name="Freeform 23"/>
           <p:cNvSpPr/>
           <p:nvPr/>
         </p:nvSpPr>
         <p:spPr>
-          <a:xfrm flipH="false" flipV="false" rot="0">
+          <a:xfrm>
             <a:off x="8896718" y="2555865"/>
             <a:ext cx="650103" cy="672811"/>
           </a:xfrm>
@@ -3980,9 +4080,9 @@
             <a:gdLst/>
             <a:ahLst/>
             <a:cxnLst/>
-            <a:rect r="r" b="b" t="t" l="l"/>
+            <a:rect l="l" t="t" r="r" b="b"/>
             <a:pathLst>
-              <a:path h="672811" w="650103">
+              <a:path w="650103" h="672811">
                 <a:moveTo>
                   <a:pt x="0" y="0"/>
                 </a:moveTo>
@@ -4011,19 +4111,26 @@
               </a:extLst>
             </a:blip>
             <a:stretch>
-              <a:fillRect l="0" t="0" r="0" b="0"/>
+              <a:fillRect/>
             </a:stretch>
           </a:blipFill>
         </p:spPr>
+        <p:txBody>
+          <a:bodyPr/>
+          <a:lstStyle/>
+          <a:p>
+            <a:endParaRPr lang="pt-BR"/>
+          </a:p>
+        </p:txBody>
       </p:sp>
       <p:grpSp>
         <p:nvGrpSpPr>
-          <p:cNvPr name="Group 24" id="24"/>
+          <p:cNvPr id="24" name="Group 24"/>
           <p:cNvGrpSpPr/>
           <p:nvPr/>
         </p:nvGrpSpPr>
         <p:grpSpPr>
-          <a:xfrm rot="0">
+          <a:xfrm>
             <a:off x="9959915" y="888283"/>
             <a:ext cx="1794398" cy="764869"/>
             <a:chOff x="0" y="0"/>
@@ -4032,12 +4139,12 @@
         </p:grpSpPr>
         <p:sp>
           <p:nvSpPr>
-            <p:cNvPr name="Freeform 25" id="25"/>
+            <p:cNvPr id="25" name="Freeform 25"/>
             <p:cNvSpPr/>
             <p:nvPr/>
           </p:nvSpPr>
           <p:spPr>
-            <a:xfrm flipH="false" flipV="false" rot="0">
+            <a:xfrm>
               <a:off x="0" y="0"/>
               <a:ext cx="1014263" cy="1019826"/>
             </a:xfrm>
@@ -4046,9 +4153,9 @@
               <a:gdLst/>
               <a:ahLst/>
               <a:cxnLst/>
-              <a:rect r="r" b="b" t="t" l="l"/>
+              <a:rect l="l" t="t" r="r" b="b"/>
               <a:pathLst>
-                <a:path h="1019826" w="1014263">
+                <a:path w="1014263" h="1019826">
                   <a:moveTo>
                     <a:pt x="0" y="0"/>
                   </a:moveTo>
@@ -4077,19 +4184,26 @@
                 </a:extLst>
               </a:blip>
               <a:stretch>
-                <a:fillRect l="0" t="0" r="0" b="0"/>
+                <a:fillRect/>
               </a:stretch>
             </a:blipFill>
           </p:spPr>
+          <p:txBody>
+            <a:bodyPr/>
+            <a:lstStyle/>
+            <a:p>
+              <a:endParaRPr lang="pt-BR"/>
+            </a:p>
+          </p:txBody>
         </p:sp>
         <p:sp>
           <p:nvSpPr>
-            <p:cNvPr name="TextBox 26" id="26"/>
-            <p:cNvSpPr txBox="true"/>
+            <p:cNvPr id="26" name="TextBox 26"/>
+            <p:cNvSpPr txBox="1"/>
             <p:nvPr/>
           </p:nvSpPr>
           <p:spPr>
-            <a:xfrm rot="0">
+            <a:xfrm>
               <a:off x="1105202" y="333824"/>
               <a:ext cx="1287329" cy="323602"/>
             </a:xfrm>
@@ -4098,7 +4212,7 @@
             </a:prstGeom>
           </p:spPr>
           <p:txBody>
-            <a:bodyPr anchor="t" rtlCol="false" tIns="0" lIns="0" bIns="0" rIns="0">
+            <a:bodyPr lIns="0" tIns="0" rIns="0" bIns="0" rtlCol="0" anchor="t">
               <a:spAutoFit/>
             </a:bodyPr>
             <a:lstStyle/>
@@ -4129,12 +4243,12 @@
       </p:grpSp>
       <p:grpSp>
         <p:nvGrpSpPr>
-          <p:cNvPr name="Group 27" id="27"/>
+          <p:cNvPr id="27" name="Group 27"/>
           <p:cNvGrpSpPr/>
           <p:nvPr/>
         </p:nvGrpSpPr>
         <p:grpSpPr>
-          <a:xfrm rot="0">
+          <a:xfrm>
             <a:off x="679894" y="1028700"/>
             <a:ext cx="6502772" cy="8229600"/>
             <a:chOff x="0" y="0"/>
@@ -4143,12 +4257,12 @@
         </p:grpSpPr>
         <p:sp>
           <p:nvSpPr>
-            <p:cNvPr name="Freeform 28" id="28"/>
+            <p:cNvPr id="28" name="Freeform 28"/>
             <p:cNvSpPr/>
             <p:nvPr/>
           </p:nvSpPr>
           <p:spPr>
-            <a:xfrm flipH="false" flipV="false" rot="0">
+            <a:xfrm>
               <a:off x="0" y="0"/>
               <a:ext cx="1712664" cy="2167467"/>
             </a:xfrm>
@@ -4157,9 +4271,9 @@
               <a:gdLst/>
               <a:ahLst/>
               <a:cxnLst/>
-              <a:rect r="r" b="b" t="t" l="l"/>
+              <a:rect l="l" t="t" r="r" b="b"/>
               <a:pathLst>
-                <a:path h="2167467" w="1712664">
+                <a:path w="1712664" h="2167467">
                   <a:moveTo>
                     <a:pt x="84530" y="0"/>
                   </a:moveTo>
@@ -4212,11 +4326,18 @@
               <a:round/>
             </a:ln>
           </p:spPr>
+          <p:txBody>
+            <a:bodyPr/>
+            <a:lstStyle/>
+            <a:p>
+              <a:endParaRPr lang="pt-BR"/>
+            </a:p>
+          </p:txBody>
         </p:sp>
         <p:sp>
           <p:nvSpPr>
-            <p:cNvPr name="TextBox 29" id="29"/>
-            <p:cNvSpPr txBox="true"/>
+            <p:cNvPr id="29" name="TextBox 29"/>
+            <p:cNvSpPr txBox="1"/>
             <p:nvPr/>
           </p:nvSpPr>
           <p:spPr>
@@ -4229,7 +4350,7 @@
             </a:prstGeom>
           </p:spPr>
           <p:txBody>
-            <a:bodyPr anchor="ctr" rtlCol="false" tIns="50800" lIns="50800" bIns="50800" rIns="50800"/>
+            <a:bodyPr lIns="50800" tIns="50800" rIns="50800" bIns="50800" rtlCol="0" anchor="ctr"/>
             <a:lstStyle/>
             <a:p>
               <a:pPr algn="ctr">
@@ -4237,18 +4358,19 @@
                   <a:spcPts val="2659"/>
                 </a:lnSpc>
               </a:pPr>
+              <a:endParaRPr/>
             </a:p>
           </p:txBody>
         </p:sp>
       </p:grpSp>
       <p:grpSp>
         <p:nvGrpSpPr>
-          <p:cNvPr name="Group 30" id="30"/>
+          <p:cNvPr id="30" name="Group 30"/>
           <p:cNvGrpSpPr/>
           <p:nvPr/>
         </p:nvGrpSpPr>
         <p:grpSpPr>
-          <a:xfrm rot="0">
+          <a:xfrm>
             <a:off x="1839407" y="3352902"/>
             <a:ext cx="1708892" cy="1870014"/>
             <a:chOff x="0" y="0"/>
@@ -4257,12 +4379,12 @@
         </p:grpSpPr>
         <p:sp>
           <p:nvSpPr>
-            <p:cNvPr name="Freeform 31" id="31"/>
+            <p:cNvPr id="31" name="Freeform 31"/>
             <p:cNvSpPr/>
             <p:nvPr/>
           </p:nvSpPr>
           <p:spPr>
-            <a:xfrm flipH="false" flipV="false" rot="0">
+            <a:xfrm>
               <a:off x="659638" y="0"/>
               <a:ext cx="959245" cy="654031"/>
             </a:xfrm>
@@ -4271,9 +4393,9 @@
               <a:gdLst/>
               <a:ahLst/>
               <a:cxnLst/>
-              <a:rect r="r" b="b" t="t" l="l"/>
+              <a:rect l="l" t="t" r="r" b="b"/>
               <a:pathLst>
-                <a:path h="654031" w="959245">
+                <a:path w="959245" h="654031">
                   <a:moveTo>
                     <a:pt x="0" y="0"/>
                   </a:moveTo>
@@ -4302,19 +4424,26 @@
                 </a:extLst>
               </a:blip>
               <a:stretch>
-                <a:fillRect l="0" t="0" r="0" b="0"/>
+                <a:fillRect/>
               </a:stretch>
             </a:blipFill>
           </p:spPr>
+          <p:txBody>
+            <a:bodyPr/>
+            <a:lstStyle/>
+            <a:p>
+              <a:endParaRPr lang="pt-BR"/>
+            </a:p>
+          </p:txBody>
         </p:sp>
         <p:sp>
           <p:nvSpPr>
-            <p:cNvPr name="Freeform 32" id="32"/>
+            <p:cNvPr id="32" name="Freeform 32"/>
             <p:cNvSpPr/>
             <p:nvPr/>
           </p:nvSpPr>
           <p:spPr>
-            <a:xfrm flipH="false" flipV="false" rot="-1500387">
+            <a:xfrm rot="-1500387">
               <a:off x="270269" y="539890"/>
               <a:ext cx="1737983" cy="1664119"/>
             </a:xfrm>
@@ -4323,9 +4452,9 @@
               <a:gdLst/>
               <a:ahLst/>
               <a:cxnLst/>
-              <a:rect r="r" b="b" t="t" l="l"/>
+              <a:rect l="l" t="t" r="r" b="b"/>
               <a:pathLst>
-                <a:path h="1664119" w="1737983">
+                <a:path w="1737983" h="1664119">
                   <a:moveTo>
                     <a:pt x="0" y="0"/>
                   </a:moveTo>
@@ -4348,20 +4477,27 @@
             <a:blipFill>
               <a:blip r:embed="rId15"/>
               <a:stretch>
-                <a:fillRect l="0" t="0" r="0" b="0"/>
+                <a:fillRect/>
               </a:stretch>
             </a:blipFill>
           </p:spPr>
+          <p:txBody>
+            <a:bodyPr/>
+            <a:lstStyle/>
+            <a:p>
+              <a:endParaRPr lang="pt-BR"/>
+            </a:p>
+          </p:txBody>
         </p:sp>
       </p:grpSp>
       <p:sp>
         <p:nvSpPr>
-          <p:cNvPr name="Freeform 33" id="33"/>
+          <p:cNvPr id="33" name="Freeform 33"/>
           <p:cNvSpPr/>
           <p:nvPr/>
         </p:nvSpPr>
         <p:spPr>
-          <a:xfrm flipH="false" flipV="false" rot="7193435">
+          <a:xfrm rot="7193435">
             <a:off x="1235266" y="2773899"/>
             <a:ext cx="1442998" cy="1158006"/>
           </a:xfrm>
@@ -4370,9 +4506,9 @@
             <a:gdLst/>
             <a:ahLst/>
             <a:cxnLst/>
-            <a:rect r="r" b="b" t="t" l="l"/>
+            <a:rect l="l" t="t" r="r" b="b"/>
             <a:pathLst>
-              <a:path h="1158006" w="1442998">
+              <a:path w="1442998" h="1158006">
                 <a:moveTo>
                   <a:pt x="0" y="0"/>
                 </a:moveTo>
@@ -4401,19 +4537,26 @@
               </a:extLst>
             </a:blip>
             <a:stretch>
-              <a:fillRect l="0" t="0" r="0" b="0"/>
+              <a:fillRect/>
             </a:stretch>
           </a:blipFill>
         </p:spPr>
+        <p:txBody>
+          <a:bodyPr/>
+          <a:lstStyle/>
+          <a:p>
+            <a:endParaRPr lang="pt-BR"/>
+          </a:p>
+        </p:txBody>
       </p:sp>
       <p:grpSp>
         <p:nvGrpSpPr>
-          <p:cNvPr name="Group 34" id="34"/>
+          <p:cNvPr id="34" name="Group 34"/>
           <p:cNvGrpSpPr/>
           <p:nvPr/>
         </p:nvGrpSpPr>
         <p:grpSpPr>
-          <a:xfrm rot="0">
+          <a:xfrm>
             <a:off x="2736463" y="6144948"/>
             <a:ext cx="2360750" cy="2645596"/>
             <a:chOff x="0" y="0"/>
@@ -4422,12 +4565,12 @@
         </p:grpSpPr>
         <p:sp>
           <p:nvSpPr>
-            <p:cNvPr name="Freeform 35" id="35"/>
+            <p:cNvPr id="35" name="Freeform 35"/>
             <p:cNvSpPr/>
             <p:nvPr/>
           </p:nvSpPr>
           <p:spPr>
-            <a:xfrm flipH="false" flipV="false" rot="0">
+            <a:xfrm>
               <a:off x="0" y="0"/>
               <a:ext cx="3147667" cy="2990284"/>
             </a:xfrm>
@@ -4436,9 +4579,9 @@
               <a:gdLst/>
               <a:ahLst/>
               <a:cxnLst/>
-              <a:rect r="r" b="b" t="t" l="l"/>
+              <a:rect l="l" t="t" r="r" b="b"/>
               <a:pathLst>
-                <a:path h="2990284" w="3147667">
+                <a:path w="3147667" h="2990284">
                   <a:moveTo>
                     <a:pt x="0" y="0"/>
                   </a:moveTo>
@@ -4467,19 +4610,26 @@
                 </a:extLst>
               </a:blip>
               <a:stretch>
-                <a:fillRect l="0" t="0" r="0" b="0"/>
+                <a:fillRect/>
               </a:stretch>
             </a:blipFill>
           </p:spPr>
+          <p:txBody>
+            <a:bodyPr/>
+            <a:lstStyle/>
+            <a:p>
+              <a:endParaRPr lang="pt-BR"/>
+            </a:p>
+          </p:txBody>
         </p:sp>
         <p:sp>
           <p:nvSpPr>
-            <p:cNvPr name="Freeform 36" id="36"/>
+            <p:cNvPr id="36" name="Freeform 36"/>
             <p:cNvSpPr/>
             <p:nvPr/>
           </p:nvSpPr>
           <p:spPr>
-            <a:xfrm flipH="false" flipV="false" rot="0">
+            <a:xfrm>
               <a:off x="939542" y="1183040"/>
               <a:ext cx="825629" cy="1204499"/>
             </a:xfrm>
@@ -4488,9 +4638,9 @@
               <a:gdLst/>
               <a:ahLst/>
               <a:cxnLst/>
-              <a:rect r="r" b="b" t="t" l="l"/>
+              <a:rect l="l" t="t" r="r" b="b"/>
               <a:pathLst>
-                <a:path h="1204499" w="825629">
+                <a:path w="825629" h="1204499">
                   <a:moveTo>
                     <a:pt x="0" y="0"/>
                   </a:moveTo>
@@ -4519,19 +4669,26 @@
                 </a:extLst>
               </a:blip>
               <a:stretch>
-                <a:fillRect l="0" t="0" r="0" b="0"/>
+                <a:fillRect/>
               </a:stretch>
             </a:blipFill>
           </p:spPr>
+          <p:txBody>
+            <a:bodyPr/>
+            <a:lstStyle/>
+            <a:p>
+              <a:endParaRPr lang="pt-BR"/>
+            </a:p>
+          </p:txBody>
         </p:sp>
         <p:sp>
           <p:nvSpPr>
-            <p:cNvPr name="TextBox 37" id="37"/>
-            <p:cNvSpPr txBox="true"/>
+            <p:cNvPr id="37" name="TextBox 37"/>
+            <p:cNvSpPr txBox="1"/>
             <p:nvPr/>
           </p:nvSpPr>
           <p:spPr>
-            <a:xfrm rot="0">
+            <a:xfrm>
               <a:off x="374355" y="3015052"/>
               <a:ext cx="2516336" cy="512409"/>
             </a:xfrm>
@@ -4540,7 +4697,7 @@
             </a:prstGeom>
           </p:spPr>
           <p:txBody>
-            <a:bodyPr anchor="t" rtlCol="false" tIns="0" lIns="0" bIns="0" rIns="0">
+            <a:bodyPr lIns="0" tIns="0" rIns="0" bIns="0" rtlCol="0" anchor="t">
               <a:spAutoFit/>
             </a:bodyPr>
             <a:lstStyle/>
@@ -4554,7 +4711,7 @@
                 </a:spcBef>
               </a:pPr>
               <a:r>
-                <a:rPr lang="en-US" b="true" sz="2323">
+                <a:rPr lang="en-US" sz="2323" b="1">
                   <a:solidFill>
                     <a:srgbClr val="000000"/>
                   </a:solidFill>
@@ -4571,12 +4728,12 @@
       </p:grpSp>
       <p:sp>
         <p:nvSpPr>
-          <p:cNvPr name="Freeform 38" id="38"/>
+          <p:cNvPr id="38" name="Freeform 38"/>
           <p:cNvSpPr/>
           <p:nvPr/>
         </p:nvSpPr>
         <p:spPr>
-          <a:xfrm flipH="true" flipV="true" rot="10392795">
+          <a:xfrm rot="10392795" flipH="1" flipV="1">
             <a:off x="6555276" y="3175368"/>
             <a:ext cx="993020" cy="642980"/>
           </a:xfrm>
@@ -4585,9 +4742,9 @@
             <a:gdLst/>
             <a:ahLst/>
             <a:cxnLst/>
-            <a:rect r="r" b="b" t="t" l="l"/>
+            <a:rect l="l" t="t" r="r" b="b"/>
             <a:pathLst>
-              <a:path h="642980" w="993020">
+              <a:path w="993020" h="642980">
                 <a:moveTo>
                   <a:pt x="993020" y="642981"/>
                 </a:moveTo>
@@ -4616,19 +4773,26 @@
               </a:extLst>
             </a:blip>
             <a:stretch>
-              <a:fillRect l="0" t="0" r="0" b="0"/>
+              <a:fillRect/>
             </a:stretch>
           </a:blipFill>
         </p:spPr>
+        <p:txBody>
+          <a:bodyPr/>
+          <a:lstStyle/>
+          <a:p>
+            <a:endParaRPr lang="pt-BR"/>
+          </a:p>
+        </p:txBody>
       </p:sp>
       <p:grpSp>
         <p:nvGrpSpPr>
-          <p:cNvPr name="Group 39" id="39"/>
+          <p:cNvPr id="39" name="Group 39"/>
           <p:cNvGrpSpPr/>
           <p:nvPr/>
         </p:nvGrpSpPr>
         <p:grpSpPr>
-          <a:xfrm rot="0">
+          <a:xfrm>
             <a:off x="10057319" y="6314714"/>
             <a:ext cx="1949910" cy="1959488"/>
             <a:chOff x="0" y="0"/>
@@ -4637,12 +4801,12 @@
         </p:grpSpPr>
         <p:sp>
           <p:nvSpPr>
-            <p:cNvPr name="Freeform 40" id="40"/>
+            <p:cNvPr id="40" name="Freeform 40"/>
             <p:cNvSpPr/>
             <p:nvPr/>
           </p:nvSpPr>
           <p:spPr>
-            <a:xfrm flipH="false" flipV="false" rot="0">
+            <a:xfrm>
               <a:off x="0" y="59268"/>
               <a:ext cx="839961" cy="1184560"/>
             </a:xfrm>
@@ -4651,9 +4815,9 @@
               <a:gdLst/>
               <a:ahLst/>
               <a:cxnLst/>
-              <a:rect r="r" b="b" t="t" l="l"/>
+              <a:rect l="l" t="t" r="r" b="b"/>
               <a:pathLst>
-                <a:path h="1184560" w="839961">
+                <a:path w="839961" h="1184560">
                   <a:moveTo>
                     <a:pt x="0" y="0"/>
                   </a:moveTo>
@@ -4682,19 +4846,26 @@
                 </a:extLst>
               </a:blip>
               <a:stretch>
-                <a:fillRect l="0" t="0" r="0" b="0"/>
+                <a:fillRect/>
               </a:stretch>
             </a:blipFill>
           </p:spPr>
+          <p:txBody>
+            <a:bodyPr/>
+            <a:lstStyle/>
+            <a:p>
+              <a:endParaRPr lang="pt-BR"/>
+            </a:p>
+          </p:txBody>
         </p:sp>
         <p:sp>
           <p:nvSpPr>
-            <p:cNvPr name="Freeform 41" id="41"/>
+            <p:cNvPr id="41" name="Freeform 41"/>
             <p:cNvSpPr/>
             <p:nvPr/>
           </p:nvSpPr>
           <p:spPr>
-            <a:xfrm flipH="false" flipV="false" rot="0">
+            <a:xfrm>
               <a:off x="1338367" y="0"/>
               <a:ext cx="1222357" cy="1435343"/>
             </a:xfrm>
@@ -4703,9 +4874,9 @@
               <a:gdLst/>
               <a:ahLst/>
               <a:cxnLst/>
-              <a:rect r="r" b="b" t="t" l="l"/>
+              <a:rect l="l" t="t" r="r" b="b"/>
               <a:pathLst>
-                <a:path h="1435343" w="1222357">
+                <a:path w="1222357" h="1435343">
                   <a:moveTo>
                     <a:pt x="0" y="0"/>
                   </a:moveTo>
@@ -4728,19 +4899,26 @@
             <a:blipFill>
               <a:blip r:embed="rId24"/>
               <a:stretch>
-                <a:fillRect l="0" t="0" r="0" b="0"/>
+                <a:fillRect/>
               </a:stretch>
             </a:blipFill>
           </p:spPr>
+          <p:txBody>
+            <a:bodyPr/>
+            <a:lstStyle/>
+            <a:p>
+              <a:endParaRPr lang="pt-BR"/>
+            </a:p>
+          </p:txBody>
         </p:sp>
         <p:sp>
           <p:nvSpPr>
-            <p:cNvPr name="Freeform 42" id="42"/>
+            <p:cNvPr id="42" name="Freeform 42"/>
             <p:cNvSpPr/>
             <p:nvPr/>
           </p:nvSpPr>
           <p:spPr>
-            <a:xfrm flipH="false" flipV="false" rot="0">
+            <a:xfrm>
               <a:off x="0" y="1697162"/>
               <a:ext cx="839961" cy="915488"/>
             </a:xfrm>
@@ -4749,9 +4927,9 @@
               <a:gdLst/>
               <a:ahLst/>
               <a:cxnLst/>
-              <a:rect r="r" b="b" t="t" l="l"/>
+              <a:rect l="l" t="t" r="r" b="b"/>
               <a:pathLst>
-                <a:path h="915488" w="839961">
+                <a:path w="839961" h="915488">
                   <a:moveTo>
                     <a:pt x="0" y="0"/>
                   </a:moveTo>
@@ -4780,19 +4958,26 @@
                 </a:extLst>
               </a:blip>
               <a:stretch>
-                <a:fillRect l="0" t="0" r="0" b="0"/>
+                <a:fillRect/>
               </a:stretch>
             </a:blipFill>
           </p:spPr>
+          <p:txBody>
+            <a:bodyPr/>
+            <a:lstStyle/>
+            <a:p>
+              <a:endParaRPr lang="pt-BR"/>
+            </a:p>
+          </p:txBody>
         </p:sp>
         <p:sp>
           <p:nvSpPr>
-            <p:cNvPr name="TextBox 43" id="43"/>
-            <p:cNvSpPr txBox="true"/>
+            <p:cNvPr id="43" name="TextBox 43"/>
+            <p:cNvSpPr txBox="1"/>
             <p:nvPr/>
           </p:nvSpPr>
           <p:spPr>
-            <a:xfrm rot="0">
+            <a:xfrm>
               <a:off x="170229" y="1472021"/>
               <a:ext cx="499503" cy="208925"/>
             </a:xfrm>
@@ -4801,7 +4986,7 @@
             </a:prstGeom>
           </p:spPr>
           <p:txBody>
-            <a:bodyPr anchor="t" rtlCol="false" tIns="0" lIns="0" bIns="0" rIns="0">
+            <a:bodyPr lIns="0" tIns="0" rIns="0" bIns="0" rtlCol="0" anchor="t">
               <a:spAutoFit/>
             </a:bodyPr>
             <a:lstStyle/>
@@ -4828,12 +5013,12 @@
         </p:sp>
         <p:sp>
           <p:nvSpPr>
-            <p:cNvPr name="Freeform 44" id="44"/>
+            <p:cNvPr id="44" name="Freeform 44"/>
             <p:cNvSpPr/>
             <p:nvPr/>
           </p:nvSpPr>
           <p:spPr>
-            <a:xfrm flipH="false" flipV="false" rot="0">
+            <a:xfrm>
               <a:off x="1502164" y="1717888"/>
               <a:ext cx="894762" cy="894762"/>
             </a:xfrm>
@@ -4842,9 +5027,9 @@
               <a:gdLst/>
               <a:ahLst/>
               <a:cxnLst/>
-              <a:rect r="r" b="b" t="t" l="l"/>
+              <a:rect l="l" t="t" r="r" b="b"/>
               <a:pathLst>
-                <a:path h="894762" w="894762">
+                <a:path w="894762" h="894762">
                   <a:moveTo>
                     <a:pt x="0" y="0"/>
                   </a:moveTo>
@@ -4873,19 +5058,26 @@
                 </a:extLst>
               </a:blip>
               <a:stretch>
-                <a:fillRect l="0" t="0" r="0" b="0"/>
+                <a:fillRect/>
               </a:stretch>
             </a:blipFill>
           </p:spPr>
+          <p:txBody>
+            <a:bodyPr/>
+            <a:lstStyle/>
+            <a:p>
+              <a:endParaRPr lang="pt-BR"/>
+            </a:p>
+          </p:txBody>
         </p:sp>
         <p:sp>
           <p:nvSpPr>
-            <p:cNvPr name="TextBox 45" id="45"/>
-            <p:cNvSpPr txBox="true"/>
+            <p:cNvPr id="45" name="TextBox 45"/>
+            <p:cNvSpPr txBox="1"/>
             <p:nvPr/>
           </p:nvSpPr>
           <p:spPr>
-            <a:xfrm rot="0">
+            <a:xfrm>
               <a:off x="1338367" y="1513354"/>
               <a:ext cx="1261513" cy="167592"/>
             </a:xfrm>
@@ -4894,7 +5086,7 @@
             </a:prstGeom>
           </p:spPr>
           <p:txBody>
-            <a:bodyPr anchor="t" rtlCol="false" tIns="0" lIns="0" bIns="0" rIns="0">
+            <a:bodyPr lIns="0" tIns="0" rIns="0" bIns="0" rtlCol="0" anchor="t">
               <a:spAutoFit/>
             </a:bodyPr>
             <a:lstStyle/>
@@ -4914,19 +5106,7 @@
                   <a:cs typeface="Horizon"/>
                   <a:sym typeface="Horizon"/>
                 </a:rPr>
-                <a:t>JAVA</a:t>
-              </a:r>
-              <a:r>
-                <a:rPr lang="en-US" sz="724">
-                  <a:solidFill>
-                    <a:srgbClr val="000000"/>
-                  </a:solidFill>
-                  <a:latin typeface="Horizon"/>
-                  <a:ea typeface="Horizon"/>
-                  <a:cs typeface="Horizon"/>
-                  <a:sym typeface="Horizon"/>
-                </a:rPr>
-                <a:t>SCRIPT</a:t>
+                <a:t>JAVASCRIPT</a:t>
               </a:r>
             </a:p>
           </p:txBody>
@@ -4934,12 +5114,12 @@
       </p:grpSp>
       <p:sp>
         <p:nvSpPr>
-          <p:cNvPr name="Freeform 46" id="46"/>
+          <p:cNvPr id="46" name="Freeform 46"/>
           <p:cNvSpPr/>
           <p:nvPr/>
         </p:nvSpPr>
         <p:spPr>
-          <a:xfrm flipH="false" flipV="false" rot="0">
+          <a:xfrm>
             <a:off x="10446798" y="5529360"/>
             <a:ext cx="946105" cy="718679"/>
           </a:xfrm>
@@ -4948,9 +5128,9 @@
             <a:gdLst/>
             <a:ahLst/>
             <a:cxnLst/>
-            <a:rect r="r" b="b" t="t" l="l"/>
+            <a:rect l="l" t="t" r="r" b="b"/>
             <a:pathLst>
-              <a:path h="718679" w="946105">
+              <a:path w="946105" h="718679">
                 <a:moveTo>
                   <a:pt x="0" y="0"/>
                 </a:moveTo>
@@ -4979,19 +5159,26 @@
               </a:extLst>
             </a:blip>
             <a:stretch>
-              <a:fillRect l="-73668" t="0" r="-63784" b="-42088"/>
+              <a:fillRect l="-73668" r="-63784" b="-42088"/>
             </a:stretch>
           </a:blipFill>
         </p:spPr>
-      </p:sp>
-      <p:sp>
-        <p:nvSpPr>
-          <p:cNvPr name="Freeform 47" id="47"/>
+        <p:txBody>
+          <a:bodyPr/>
+          <a:lstStyle/>
+          <a:p>
+            <a:endParaRPr lang="pt-BR"/>
+          </a:p>
+        </p:txBody>
+      </p:sp>
+      <p:sp>
+        <p:nvSpPr>
+          <p:cNvPr id="47" name="Freeform 47"/>
           <p:cNvSpPr/>
           <p:nvPr/>
         </p:nvSpPr>
         <p:spPr>
-          <a:xfrm flipH="true" flipV="true" rot="-8982011">
+          <a:xfrm rot="-8982011" flipH="1" flipV="1">
             <a:off x="14011082" y="2249388"/>
             <a:ext cx="983440" cy="636777"/>
           </a:xfrm>
@@ -5000,9 +5187,9 @@
             <a:gdLst/>
             <a:ahLst/>
             <a:cxnLst/>
-            <a:rect r="r" b="b" t="t" l="l"/>
+            <a:rect l="l" t="t" r="r" b="b"/>
             <a:pathLst>
-              <a:path h="636777" w="983440">
+              <a:path w="983440" h="636777">
                 <a:moveTo>
                   <a:pt x="983440" y="636778"/>
                 </a:moveTo>
@@ -5031,19 +5218,26 @@
               </a:extLst>
             </a:blip>
             <a:stretch>
-              <a:fillRect l="0" t="0" r="0" b="0"/>
+              <a:fillRect/>
             </a:stretch>
           </a:blipFill>
         </p:spPr>
+        <p:txBody>
+          <a:bodyPr/>
+          <a:lstStyle/>
+          <a:p>
+            <a:endParaRPr lang="pt-BR"/>
+          </a:p>
+        </p:txBody>
       </p:sp>
       <p:grpSp>
         <p:nvGrpSpPr>
-          <p:cNvPr name="Group 48" id="48"/>
+          <p:cNvPr id="48" name="Group 48"/>
           <p:cNvGrpSpPr/>
           <p:nvPr/>
         </p:nvGrpSpPr>
         <p:grpSpPr>
-          <a:xfrm rot="0">
+          <a:xfrm>
             <a:off x="3341553" y="4892875"/>
             <a:ext cx="3336288" cy="1355164"/>
             <a:chOff x="0" y="0"/>
@@ -5052,12 +5246,12 @@
         </p:grpSpPr>
         <p:sp>
           <p:nvSpPr>
-            <p:cNvPr name="Freeform 49" id="49"/>
+            <p:cNvPr id="49" name="Freeform 49"/>
             <p:cNvSpPr/>
             <p:nvPr/>
           </p:nvSpPr>
           <p:spPr>
-            <a:xfrm flipH="false" flipV="false" rot="0">
+            <a:xfrm>
               <a:off x="0" y="0"/>
               <a:ext cx="1513062" cy="945664"/>
             </a:xfrm>
@@ -5066,9 +5260,9 @@
               <a:gdLst/>
               <a:ahLst/>
               <a:cxnLst/>
-              <a:rect r="r" b="b" t="t" l="l"/>
+              <a:rect l="l" t="t" r="r" b="b"/>
               <a:pathLst>
-                <a:path h="945664" w="1513062">
+                <a:path w="1513062" h="945664">
                   <a:moveTo>
                     <a:pt x="0" y="0"/>
                   </a:moveTo>
@@ -5097,19 +5291,26 @@
                 </a:extLst>
               </a:blip>
               <a:stretch>
-                <a:fillRect l="0" t="0" r="0" b="0"/>
+                <a:fillRect/>
               </a:stretch>
             </a:blipFill>
           </p:spPr>
+          <p:txBody>
+            <a:bodyPr/>
+            <a:lstStyle/>
+            <a:p>
+              <a:endParaRPr lang="pt-BR"/>
+            </a:p>
+          </p:txBody>
         </p:sp>
         <p:sp>
           <p:nvSpPr>
-            <p:cNvPr name="TextBox 50" id="50"/>
-            <p:cNvSpPr txBox="true"/>
+            <p:cNvPr id="50" name="TextBox 50"/>
+            <p:cNvSpPr txBox="1"/>
             <p:nvPr/>
           </p:nvSpPr>
           <p:spPr>
-            <a:xfrm rot="0">
+            <a:xfrm>
               <a:off x="1824243" y="-4617"/>
               <a:ext cx="2624141" cy="693512"/>
             </a:xfrm>
@@ -5118,7 +5319,7 @@
             </a:prstGeom>
           </p:spPr>
           <p:txBody>
-            <a:bodyPr anchor="t" rtlCol="false" tIns="0" lIns="0" bIns="0" rIns="0">
+            <a:bodyPr lIns="0" tIns="0" rIns="0" bIns="0" rtlCol="0" anchor="t">
               <a:spAutoFit/>
             </a:bodyPr>
             <a:lstStyle/>
@@ -5129,7 +5330,7 @@
                 </a:lnSpc>
               </a:pPr>
               <a:r>
-                <a:rPr lang="en-US" sz="1527" b="true">
+                <a:rPr lang="en-US" sz="1527" b="1">
                   <a:solidFill>
                     <a:srgbClr val="000000"/>
                   </a:solidFill>
@@ -5151,7 +5352,7 @@
                 </a:spcBef>
               </a:pPr>
               <a:r>
-                <a:rPr lang="en-US" b="true" sz="1527">
+                <a:rPr lang="en-US" sz="1527" b="1">
                   <a:solidFill>
                     <a:srgbClr val="000000"/>
                   </a:solidFill>
@@ -5167,12 +5368,12 @@
         </p:sp>
         <p:sp>
           <p:nvSpPr>
-            <p:cNvPr name="Freeform 51" id="51"/>
+            <p:cNvPr id="51" name="Freeform 51"/>
             <p:cNvSpPr/>
             <p:nvPr/>
           </p:nvSpPr>
           <p:spPr>
-            <a:xfrm flipH="false" flipV="false" rot="5400000">
+            <a:xfrm rot="5400000">
               <a:off x="403306" y="847267"/>
               <a:ext cx="706449" cy="1212788"/>
             </a:xfrm>
@@ -5181,9 +5382,9 @@
               <a:gdLst/>
               <a:ahLst/>
               <a:cxnLst/>
-              <a:rect r="r" b="b" t="t" l="l"/>
+              <a:rect l="l" t="t" r="r" b="b"/>
               <a:pathLst>
-                <a:path h="1212788" w="706449">
+                <a:path w="706449" h="1212788">
                   <a:moveTo>
                     <a:pt x="0" y="0"/>
                   </a:moveTo>
@@ -5212,20 +5413,27 @@
                 </a:extLst>
               </a:blip>
               <a:stretch>
-                <a:fillRect l="0" t="0" r="0" b="0"/>
+                <a:fillRect/>
               </a:stretch>
             </a:blipFill>
           </p:spPr>
+          <p:txBody>
+            <a:bodyPr/>
+            <a:lstStyle/>
+            <a:p>
+              <a:endParaRPr lang="pt-BR"/>
+            </a:p>
+          </p:txBody>
         </p:sp>
       </p:grpSp>
       <p:grpSp>
         <p:nvGrpSpPr>
-          <p:cNvPr name="Group 52" id="52"/>
+          <p:cNvPr id="52" name="Group 52"/>
           <p:cNvGrpSpPr/>
           <p:nvPr/>
         </p:nvGrpSpPr>
         <p:grpSpPr>
-          <a:xfrm rot="0">
+          <a:xfrm>
             <a:off x="2350921" y="1771295"/>
             <a:ext cx="2156297" cy="1592964"/>
             <a:chOff x="0" y="0"/>
@@ -5234,12 +5442,12 @@
         </p:grpSpPr>
         <p:sp>
           <p:nvSpPr>
-            <p:cNvPr name="Freeform 53" id="53"/>
+            <p:cNvPr id="53" name="Freeform 53"/>
             <p:cNvSpPr/>
             <p:nvPr/>
           </p:nvSpPr>
           <p:spPr>
-            <a:xfrm flipH="false" flipV="false" rot="0">
+            <a:xfrm>
               <a:off x="0" y="0"/>
               <a:ext cx="2875062" cy="2123952"/>
             </a:xfrm>
@@ -5248,9 +5456,9 @@
               <a:gdLst/>
               <a:ahLst/>
               <a:cxnLst/>
-              <a:rect r="r" b="b" t="t" l="l"/>
+              <a:rect l="l" t="t" r="r" b="b"/>
               <a:pathLst>
-                <a:path h="2123952" w="2875062">
+                <a:path w="2875062" h="2123952">
                   <a:moveTo>
                     <a:pt x="0" y="0"/>
                   </a:moveTo>
@@ -5273,19 +5481,26 @@
             <a:blipFill>
               <a:blip r:embed="rId35"/>
               <a:stretch>
-                <a:fillRect l="0" t="0" r="0" b="0"/>
+                <a:fillRect/>
               </a:stretch>
             </a:blipFill>
           </p:spPr>
+          <p:txBody>
+            <a:bodyPr/>
+            <a:lstStyle/>
+            <a:p>
+              <a:endParaRPr lang="pt-BR"/>
+            </a:p>
+          </p:txBody>
         </p:sp>
         <p:sp>
           <p:nvSpPr>
-            <p:cNvPr name="Freeform 54" id="54"/>
+            <p:cNvPr id="54" name="Freeform 54"/>
             <p:cNvSpPr/>
             <p:nvPr/>
           </p:nvSpPr>
           <p:spPr>
-            <a:xfrm flipH="false" flipV="false" rot="0">
+            <a:xfrm>
               <a:off x="1158168" y="431433"/>
               <a:ext cx="455237" cy="457734"/>
             </a:xfrm>
@@ -5294,9 +5509,9 @@
               <a:gdLst/>
               <a:ahLst/>
               <a:cxnLst/>
-              <a:rect r="r" b="b" t="t" l="l"/>
+              <a:rect l="l" t="t" r="r" b="b"/>
               <a:pathLst>
-                <a:path h="457734" w="455237">
+                <a:path w="455237" h="457734">
                   <a:moveTo>
                     <a:pt x="0" y="0"/>
                   </a:moveTo>
@@ -5325,19 +5540,26 @@
                 </a:extLst>
               </a:blip>
               <a:stretch>
-                <a:fillRect l="0" t="0" r="0" b="0"/>
+                <a:fillRect/>
               </a:stretch>
             </a:blipFill>
           </p:spPr>
+          <p:txBody>
+            <a:bodyPr/>
+            <a:lstStyle/>
+            <a:p>
+              <a:endParaRPr lang="pt-BR"/>
+            </a:p>
+          </p:txBody>
         </p:sp>
         <p:sp>
           <p:nvSpPr>
-            <p:cNvPr name="TextBox 55" id="55"/>
-            <p:cNvSpPr txBox="true"/>
+            <p:cNvPr id="55" name="TextBox 55"/>
+            <p:cNvSpPr txBox="1"/>
             <p:nvPr/>
           </p:nvSpPr>
           <p:spPr>
-            <a:xfrm rot="0">
+            <a:xfrm>
               <a:off x="1158168" y="936056"/>
               <a:ext cx="577799" cy="141944"/>
             </a:xfrm>
@@ -5346,7 +5568,7 @@
             </a:prstGeom>
           </p:spPr>
           <p:txBody>
-            <a:bodyPr anchor="t" rtlCol="false" tIns="0" lIns="0" bIns="0" rIns="0">
+            <a:bodyPr lIns="0" tIns="0" rIns="0" bIns="0" rtlCol="0" anchor="t">
               <a:spAutoFit/>
             </a:bodyPr>
             <a:lstStyle/>
@@ -5377,12 +5599,12 @@
       </p:grpSp>
       <p:grpSp>
         <p:nvGrpSpPr>
-          <p:cNvPr name="Group 56" id="56"/>
+          <p:cNvPr id="56" name="Group 56"/>
           <p:cNvGrpSpPr/>
           <p:nvPr/>
         </p:nvGrpSpPr>
         <p:grpSpPr>
-          <a:xfrm rot="0">
+          <a:xfrm>
             <a:off x="11547664" y="3983670"/>
             <a:ext cx="1721651" cy="1109839"/>
             <a:chOff x="0" y="0"/>
@@ -5391,12 +5613,12 @@
         </p:grpSpPr>
         <p:sp>
           <p:nvSpPr>
-            <p:cNvPr name="Freeform 57" id="57"/>
+            <p:cNvPr id="57" name="Freeform 57"/>
             <p:cNvSpPr/>
             <p:nvPr/>
           </p:nvSpPr>
           <p:spPr>
-            <a:xfrm flipH="false" flipV="false" rot="0">
+            <a:xfrm>
               <a:off x="450530" y="0"/>
               <a:ext cx="758548" cy="853500"/>
             </a:xfrm>
@@ -5405,9 +5627,9 @@
               <a:gdLst/>
               <a:ahLst/>
               <a:cxnLst/>
-              <a:rect r="r" b="b" t="t" l="l"/>
+              <a:rect l="l" t="t" r="r" b="b"/>
               <a:pathLst>
-                <a:path h="853500" w="758548">
+                <a:path w="758548" h="853500">
                   <a:moveTo>
                     <a:pt x="0" y="0"/>
                   </a:moveTo>
@@ -5436,19 +5658,26 @@
                 </a:extLst>
               </a:blip>
               <a:stretch>
-                <a:fillRect l="0" t="0" r="0" b="0"/>
+                <a:fillRect/>
               </a:stretch>
             </a:blipFill>
           </p:spPr>
+          <p:txBody>
+            <a:bodyPr/>
+            <a:lstStyle/>
+            <a:p>
+              <a:endParaRPr lang="pt-BR"/>
+            </a:p>
+          </p:txBody>
         </p:sp>
         <p:sp>
           <p:nvSpPr>
-            <p:cNvPr name="Freeform 58" id="58"/>
+            <p:cNvPr id="58" name="Freeform 58"/>
             <p:cNvSpPr/>
             <p:nvPr/>
           </p:nvSpPr>
           <p:spPr>
-            <a:xfrm flipH="false" flipV="false" rot="0">
+            <a:xfrm>
               <a:off x="0" y="169244"/>
               <a:ext cx="2295534" cy="1310541"/>
             </a:xfrm>
@@ -5457,9 +5686,9 @@
               <a:gdLst/>
               <a:ahLst/>
               <a:cxnLst/>
-              <a:rect r="r" b="b" t="t" l="l"/>
+              <a:rect l="l" t="t" r="r" b="b"/>
               <a:pathLst>
-                <a:path h="1310541" w="2295534">
+                <a:path w="2295534" h="1310541">
                   <a:moveTo>
                     <a:pt x="0" y="0"/>
                   </a:moveTo>
@@ -5488,20 +5717,27 @@
                 </a:extLst>
               </a:blip>
               <a:stretch>
-                <a:fillRect l="0" t="0" r="0" b="0"/>
+                <a:fillRect/>
               </a:stretch>
             </a:blipFill>
           </p:spPr>
+          <p:txBody>
+            <a:bodyPr/>
+            <a:lstStyle/>
+            <a:p>
+              <a:endParaRPr lang="pt-BR"/>
+            </a:p>
+          </p:txBody>
         </p:sp>
       </p:grpSp>
       <p:sp>
         <p:nvSpPr>
-          <p:cNvPr name="TextBox 59" id="59"/>
-          <p:cNvSpPr txBox="true"/>
+          <p:cNvPr id="59" name="TextBox 59"/>
+          <p:cNvSpPr txBox="1"/>
           <p:nvPr/>
         </p:nvSpPr>
         <p:spPr>
-          <a:xfrm rot="0">
+          <a:xfrm>
             <a:off x="11511022" y="3550488"/>
             <a:ext cx="1575922" cy="263045"/>
           </a:xfrm>
@@ -5510,7 +5746,7 @@
           </a:prstGeom>
         </p:spPr>
         <p:txBody>
-          <a:bodyPr anchor="t" rtlCol="false" tIns="0" lIns="0" bIns="0" rIns="0">
+          <a:bodyPr lIns="0" tIns="0" rIns="0" bIns="0" rtlCol="0" anchor="t">
             <a:spAutoFit/>
           </a:bodyPr>
           <a:lstStyle/>
@@ -5521,7 +5757,7 @@
               </a:lnSpc>
             </a:pPr>
             <a:r>
-              <a:rPr lang="en-US" sz="1570" b="true">
+              <a:rPr lang="en-US" sz="1570" b="1" dirty="0">
                 <a:solidFill>
                   <a:srgbClr val="000000"/>
                 </a:solidFill>
@@ -5537,12 +5773,12 @@
       </p:sp>
       <p:sp>
         <p:nvSpPr>
-          <p:cNvPr name="Freeform 60" id="60"/>
+          <p:cNvPr id="60" name="Freeform 60"/>
           <p:cNvSpPr/>
           <p:nvPr/>
         </p:nvSpPr>
         <p:spPr>
-          <a:xfrm flipH="false" flipV="false" rot="0">
+          <a:xfrm>
             <a:off x="11855115" y="2944109"/>
             <a:ext cx="763418" cy="99006"/>
           </a:xfrm>
@@ -5551,9 +5787,9 @@
             <a:gdLst/>
             <a:ahLst/>
             <a:cxnLst/>
-            <a:rect r="r" b="b" t="t" l="l"/>
+            <a:rect l="l" t="t" r="r" b="b"/>
             <a:pathLst>
-              <a:path h="99006" w="763418">
+              <a:path w="763418" h="99006">
                 <a:moveTo>
                   <a:pt x="0" y="0"/>
                 </a:moveTo>
@@ -5582,19 +5818,26 @@
               </a:extLst>
             </a:blip>
             <a:stretch>
-              <a:fillRect l="0" t="0" r="0" b="0"/>
+              <a:fillRect/>
             </a:stretch>
           </a:blipFill>
         </p:spPr>
-      </p:sp>
-      <p:sp>
-        <p:nvSpPr>
-          <p:cNvPr name="Freeform 61" id="61"/>
+        <p:txBody>
+          <a:bodyPr/>
+          <a:lstStyle/>
+          <a:p>
+            <a:endParaRPr lang="pt-BR"/>
+          </a:p>
+        </p:txBody>
+      </p:sp>
+      <p:sp>
+        <p:nvSpPr>
+          <p:cNvPr id="61" name="Freeform 61"/>
           <p:cNvSpPr/>
           <p:nvPr/>
         </p:nvSpPr>
         <p:spPr>
-          <a:xfrm flipH="false" flipV="false" rot="0">
+          <a:xfrm>
             <a:off x="12041961" y="2404450"/>
             <a:ext cx="447256" cy="487821"/>
           </a:xfrm>
@@ -5603,9 +5846,9 @@
             <a:gdLst/>
             <a:ahLst/>
             <a:cxnLst/>
-            <a:rect r="r" b="b" t="t" l="l"/>
+            <a:rect l="l" t="t" r="r" b="b"/>
             <a:pathLst>
-              <a:path h="487821" w="447256">
+              <a:path w="447256" h="487821">
                 <a:moveTo>
                   <a:pt x="0" y="0"/>
                 </a:moveTo>
@@ -5634,19 +5877,26 @@
               </a:extLst>
             </a:blip>
             <a:stretch>
-              <a:fillRect l="0" t="0" r="-351040" b="0"/>
+              <a:fillRect r="-351040"/>
             </a:stretch>
           </a:blipFill>
         </p:spPr>
-      </p:sp>
-      <p:sp>
-        <p:nvSpPr>
-          <p:cNvPr name="Freeform 62" id="62"/>
+        <p:txBody>
+          <a:bodyPr/>
+          <a:lstStyle/>
+          <a:p>
+            <a:endParaRPr lang="pt-BR"/>
+          </a:p>
+        </p:txBody>
+      </p:sp>
+      <p:sp>
+        <p:nvSpPr>
+          <p:cNvPr id="62" name="Freeform 62"/>
           <p:cNvSpPr/>
           <p:nvPr/>
         </p:nvSpPr>
         <p:spPr>
-          <a:xfrm flipH="false" flipV="false" rot="0">
+          <a:xfrm>
             <a:off x="11451427" y="2958374"/>
             <a:ext cx="351729" cy="321144"/>
           </a:xfrm>
@@ -5655,9 +5905,9 @@
             <a:gdLst/>
             <a:ahLst/>
             <a:cxnLst/>
-            <a:rect r="r" b="b" t="t" l="l"/>
+            <a:rect l="l" t="t" r="r" b="b"/>
             <a:pathLst>
-              <a:path h="321144" w="351729">
+              <a:path w="351729" h="321144">
                 <a:moveTo>
                   <a:pt x="0" y="0"/>
                 </a:moveTo>
@@ -5680,19 +5930,26 @@
           <a:blipFill>
             <a:blip r:embed="rId44"/>
             <a:stretch>
-              <a:fillRect l="0" t="0" r="0" b="0"/>
+              <a:fillRect/>
             </a:stretch>
           </a:blipFill>
         </p:spPr>
-      </p:sp>
-      <p:sp>
-        <p:nvSpPr>
-          <p:cNvPr name="TextBox 63" id="63"/>
-          <p:cNvSpPr txBox="true"/>
+        <p:txBody>
+          <a:bodyPr/>
+          <a:lstStyle/>
+          <a:p>
+            <a:endParaRPr lang="pt-BR"/>
+          </a:p>
+        </p:txBody>
+      </p:sp>
+      <p:sp>
+        <p:nvSpPr>
+          <p:cNvPr id="63" name="TextBox 63"/>
+          <p:cNvSpPr txBox="1"/>
           <p:nvPr/>
         </p:nvSpPr>
         <p:spPr>
-          <a:xfrm rot="0">
+          <a:xfrm>
             <a:off x="11497396" y="2111768"/>
             <a:ext cx="1478855" cy="245056"/>
           </a:xfrm>
@@ -5701,7 +5958,7 @@
           </a:prstGeom>
         </p:spPr>
         <p:txBody>
-          <a:bodyPr anchor="t" rtlCol="false" tIns="0" lIns="0" bIns="0" rIns="0">
+          <a:bodyPr lIns="0" tIns="0" rIns="0" bIns="0" rtlCol="0" anchor="t">
             <a:spAutoFit/>
           </a:bodyPr>
           <a:lstStyle/>
@@ -5715,7 +5972,7 @@
               </a:spcBef>
             </a:pPr>
             <a:r>
-              <a:rPr lang="en-US" b="true" sz="1442">
+              <a:rPr lang="en-US" sz="1442" b="1">
                 <a:solidFill>
                   <a:srgbClr val="000000"/>
                 </a:solidFill>
@@ -5731,12 +5988,12 @@
       </p:sp>
       <p:sp>
         <p:nvSpPr>
-          <p:cNvPr name="TextBox 64" id="64"/>
-          <p:cNvSpPr txBox="true"/>
+          <p:cNvPr id="64" name="TextBox 64"/>
+          <p:cNvSpPr txBox="1"/>
           <p:nvPr/>
         </p:nvSpPr>
         <p:spPr>
-          <a:xfrm rot="0">
+          <a:xfrm>
             <a:off x="11827155" y="3168084"/>
             <a:ext cx="387556" cy="184818"/>
           </a:xfrm>
@@ -5745,7 +6002,7 @@
           </a:prstGeom>
         </p:spPr>
         <p:txBody>
-          <a:bodyPr anchor="t" rtlCol="false" tIns="0" lIns="0" bIns="0" rIns="0">
+          <a:bodyPr lIns="0" tIns="0" rIns="0" bIns="0" rtlCol="0" anchor="t">
             <a:spAutoFit/>
           </a:bodyPr>
           <a:lstStyle/>
@@ -5759,7 +6016,7 @@
               </a:spcBef>
             </a:pPr>
             <a:r>
-              <a:rPr lang="en-US" b="true" sz="1104">
+              <a:rPr lang="en-US" sz="1104" b="1">
                 <a:solidFill>
                   <a:srgbClr val="000000"/>
                 </a:solidFill>
@@ -5775,7 +6032,7 @@
       </p:sp>
       <p:sp>
         <p:nvSpPr>
-          <p:cNvPr name="AutoShape 65" id="65"/>
+          <p:cNvPr id="65" name="AutoShape 65"/>
           <p:cNvSpPr/>
           <p:nvPr/>
         </p:nvSpPr>
@@ -5787,24 +6044,31 @@
           <a:prstGeom prst="line">
             <a:avLst/>
           </a:prstGeom>
-          <a:ln cap="flat" w="38100">
+          <a:ln w="38100" cap="flat">
             <a:solidFill>
               <a:srgbClr val="000000"/>
             </a:solidFill>
             <a:prstDash val="solid"/>
-            <a:headEnd type="arrow" len="sm" w="med"/>
-            <a:tailEnd type="arrow" len="sm" w="med"/>
+            <a:headEnd type="arrow" w="med" len="sm"/>
+            <a:tailEnd type="arrow" w="med" len="sm"/>
           </a:ln>
         </p:spPr>
-      </p:sp>
-      <p:sp>
-        <p:nvSpPr>
-          <p:cNvPr name="Freeform 66" id="66"/>
+        <p:txBody>
+          <a:bodyPr/>
+          <a:lstStyle/>
+          <a:p>
+            <a:endParaRPr lang="pt-BR"/>
+          </a:p>
+        </p:txBody>
+      </p:sp>
+      <p:sp>
+        <p:nvSpPr>
+          <p:cNvPr id="66" name="Freeform 66"/>
           <p:cNvSpPr/>
           <p:nvPr/>
         </p:nvSpPr>
         <p:spPr>
-          <a:xfrm flipH="false" flipV="false" rot="-4900879">
+          <a:xfrm rot="-4900879">
             <a:off x="3214959" y="4324193"/>
             <a:ext cx="428219" cy="716685"/>
           </a:xfrm>
@@ -5813,9 +6077,9 @@
             <a:gdLst/>
             <a:ahLst/>
             <a:cxnLst/>
-            <a:rect r="r" b="b" t="t" l="l"/>
+            <a:rect l="l" t="t" r="r" b="b"/>
             <a:pathLst>
-              <a:path h="716685" w="428219">
+              <a:path w="428219" h="716685">
                 <a:moveTo>
                   <a:pt x="0" y="0"/>
                 </a:moveTo>
@@ -5844,19 +6108,26 @@
               </a:extLst>
             </a:blip>
             <a:stretch>
-              <a:fillRect l="0" t="0" r="0" b="0"/>
+              <a:fillRect/>
             </a:stretch>
           </a:blipFill>
         </p:spPr>
-      </p:sp>
-      <p:sp>
-        <p:nvSpPr>
-          <p:cNvPr name="TextBox 67" id="67"/>
-          <p:cNvSpPr txBox="true"/>
+        <p:txBody>
+          <a:bodyPr/>
+          <a:lstStyle/>
+          <a:p>
+            <a:endParaRPr lang="pt-BR"/>
+          </a:p>
+        </p:txBody>
+      </p:sp>
+      <p:sp>
+        <p:nvSpPr>
+          <p:cNvPr id="67" name="TextBox 67"/>
+          <p:cNvSpPr txBox="1"/>
           <p:nvPr/>
         </p:nvSpPr>
         <p:spPr>
-          <a:xfrm rot="0">
+          <a:xfrm>
             <a:off x="1314176" y="2758056"/>
             <a:ext cx="413481" cy="285059"/>
           </a:xfrm>
@@ -5865,7 +6136,7 @@
           </a:prstGeom>
         </p:spPr>
         <p:txBody>
-          <a:bodyPr anchor="t" rtlCol="false" tIns="0" lIns="0" bIns="0" rIns="0">
+          <a:bodyPr lIns="0" tIns="0" rIns="0" bIns="0" rtlCol="0" anchor="t">
             <a:spAutoFit/>
           </a:bodyPr>
           <a:lstStyle/>
@@ -5879,7 +6150,7 @@
               </a:spcBef>
             </a:pPr>
             <a:r>
-              <a:rPr lang="en-US" b="true" sz="1645">
+              <a:rPr lang="en-US" sz="1645" b="1">
                 <a:solidFill>
                   <a:srgbClr val="000000"/>
                 </a:solidFill>
@@ -5895,12 +6166,12 @@
       </p:sp>
       <p:sp>
         <p:nvSpPr>
-          <p:cNvPr name="TextBox 68" id="68"/>
-          <p:cNvSpPr txBox="true"/>
+          <p:cNvPr id="68" name="TextBox 68"/>
+          <p:cNvSpPr txBox="1"/>
           <p:nvPr/>
         </p:nvSpPr>
         <p:spPr>
-          <a:xfrm rot="0">
+          <a:xfrm>
             <a:off x="4507217" y="1794596"/>
             <a:ext cx="2425917" cy="1001559"/>
           </a:xfrm>
@@ -5909,7 +6180,7 @@
           </a:prstGeom>
         </p:spPr>
         <p:txBody>
-          <a:bodyPr anchor="t" rtlCol="false" tIns="0" lIns="0" bIns="0" rIns="0">
+          <a:bodyPr lIns="0" tIns="0" rIns="0" bIns="0" rtlCol="0" anchor="t">
             <a:spAutoFit/>
           </a:bodyPr>
           <a:lstStyle/>
@@ -5920,7 +6191,7 @@
               </a:lnSpc>
             </a:pPr>
             <a:r>
-              <a:rPr lang="en-US" sz="1483" b="true">
+              <a:rPr lang="en-US" sz="1483" b="1">
                 <a:solidFill>
                   <a:srgbClr val="000000"/>
                 </a:solidFill>
@@ -5939,7 +6210,7 @@
               </a:lnSpc>
             </a:pPr>
             <a:r>
-              <a:rPr lang="en-US" sz="1483" b="true">
+              <a:rPr lang="en-US" sz="1483" b="1">
                 <a:solidFill>
                   <a:srgbClr val="000000"/>
                 </a:solidFill>
@@ -5958,7 +6229,7 @@
               </a:lnSpc>
             </a:pPr>
             <a:r>
-              <a:rPr lang="en-US" sz="1483" b="true">
+              <a:rPr lang="en-US" sz="1483" b="1">
                 <a:solidFill>
                   <a:srgbClr val="000000"/>
                 </a:solidFill>
@@ -5992,7 +6263,7 @@
               </a:spcBef>
             </a:pPr>
             <a:r>
-              <a:rPr lang="en-US" b="true" sz="1483">
+              <a:rPr lang="en-US" sz="1483" b="1">
                 <a:solidFill>
                   <a:srgbClr val="000000"/>
                 </a:solidFill>
@@ -6008,12 +6279,12 @@
       </p:sp>
       <p:sp>
         <p:nvSpPr>
-          <p:cNvPr name="TextBox 69" id="69"/>
-          <p:cNvSpPr txBox="true"/>
+          <p:cNvPr id="69" name="TextBox 69"/>
+          <p:cNvSpPr txBox="1"/>
           <p:nvPr/>
         </p:nvSpPr>
         <p:spPr>
-          <a:xfrm rot="0">
+          <a:xfrm>
             <a:off x="15403309" y="6599156"/>
             <a:ext cx="1369678" cy="335532"/>
           </a:xfrm>
@@ -6022,7 +6293,7 @@
           </a:prstGeom>
         </p:spPr>
         <p:txBody>
-          <a:bodyPr anchor="t" rtlCol="false" tIns="0" lIns="0" bIns="0" rIns="0">
+          <a:bodyPr lIns="0" tIns="0" rIns="0" bIns="0" rtlCol="0" anchor="t">
             <a:spAutoFit/>
           </a:bodyPr>
           <a:lstStyle/>
@@ -6036,7 +6307,7 @@
               </a:spcBef>
             </a:pPr>
             <a:r>
-              <a:rPr lang="en-US" b="true" sz="1981">
+              <a:rPr lang="en-US" sz="1981" b="1">
                 <a:solidFill>
                   <a:srgbClr val="000000"/>
                 </a:solidFill>
@@ -6052,12 +6323,12 @@
       </p:sp>
       <p:grpSp>
         <p:nvGrpSpPr>
-          <p:cNvPr name="Group 70" id="70"/>
+          <p:cNvPr id="70" name="Group 70"/>
           <p:cNvGrpSpPr/>
           <p:nvPr/>
         </p:nvGrpSpPr>
         <p:grpSpPr>
-          <a:xfrm rot="0">
+          <a:xfrm>
             <a:off x="14940952" y="2892270"/>
             <a:ext cx="640683" cy="921263"/>
             <a:chOff x="0" y="0"/>
@@ -6066,12 +6337,12 @@
         </p:grpSpPr>
         <p:sp>
           <p:nvSpPr>
-            <p:cNvPr name="Freeform 71" id="71"/>
+            <p:cNvPr id="71" name="Freeform 71"/>
             <p:cNvSpPr/>
             <p:nvPr/>
           </p:nvSpPr>
           <p:spPr>
-            <a:xfrm flipH="false" flipV="false" rot="0">
+            <a:xfrm>
               <a:off x="24146" y="422399"/>
               <a:ext cx="805952" cy="805952"/>
             </a:xfrm>
@@ -6080,9 +6351,9 @@
               <a:gdLst/>
               <a:ahLst/>
               <a:cxnLst/>
-              <a:rect r="r" b="b" t="t" l="l"/>
+              <a:rect l="l" t="t" r="r" b="b"/>
               <a:pathLst>
-                <a:path h="805952" w="805952">
+                <a:path w="805952" h="805952">
                   <a:moveTo>
                     <a:pt x="0" y="0"/>
                   </a:moveTo>
@@ -6111,19 +6382,26 @@
                 </a:extLst>
               </a:blip>
               <a:stretch>
-                <a:fillRect l="0" t="0" r="0" b="0"/>
+                <a:fillRect/>
               </a:stretch>
             </a:blipFill>
           </p:spPr>
+          <p:txBody>
+            <a:bodyPr/>
+            <a:lstStyle/>
+            <a:p>
+              <a:endParaRPr lang="pt-BR"/>
+            </a:p>
+          </p:txBody>
         </p:sp>
         <p:sp>
           <p:nvSpPr>
-            <p:cNvPr name="TextBox 72" id="72"/>
-            <p:cNvSpPr txBox="true"/>
+            <p:cNvPr id="72" name="TextBox 72"/>
+            <p:cNvSpPr txBox="1"/>
             <p:nvPr/>
           </p:nvSpPr>
           <p:spPr>
-            <a:xfrm rot="0">
+            <a:xfrm>
               <a:off x="0" y="-28575"/>
               <a:ext cx="854244" cy="271834"/>
             </a:xfrm>
@@ -6132,7 +6410,7 @@
             </a:prstGeom>
           </p:spPr>
           <p:txBody>
-            <a:bodyPr anchor="t" rtlCol="false" tIns="0" lIns="0" bIns="0" rIns="0">
+            <a:bodyPr lIns="0" tIns="0" rIns="0" bIns="0" rtlCol="0" anchor="t">
               <a:spAutoFit/>
             </a:bodyPr>
             <a:lstStyle/>
@@ -6146,7 +6424,7 @@
                 </a:spcBef>
               </a:pPr>
               <a:r>
-                <a:rPr lang="en-US" b="true" sz="1215">
+                <a:rPr lang="en-US" sz="1215" b="1">
                   <a:solidFill>
                     <a:srgbClr val="000000"/>
                   </a:solidFill>
